--- a/Презентация.pptx
+++ b/Презентация.pptx
@@ -2,8 +2,12 @@
 <file path=ppt/presentation.xml><?xml version="1.0" encoding="utf-8"?>
 <p:presentation xmlns:a="http://schemas.openxmlformats.org/drawingml/2006/main" xmlns:r="http://schemas.openxmlformats.org/officeDocument/2006/relationships" xmlns:p="http://schemas.openxmlformats.org/presentationml/2006/main" saveSubsetFonts="1">
   <p:sldMasterIdLst>
-    <p:sldMasterId id="2147483648" r:id="rId1"/>
+    <p:sldMasterId id="2147483708" r:id="rId1"/>
   </p:sldMasterIdLst>
+  <p:sldIdLst>
+    <p:sldId id="256" r:id="rId2"/>
+    <p:sldId id="257" r:id="rId3"/>
+  </p:sldIdLst>
   <p:sldSz cx="9144000" cy="6858000" type="screen4x3"/>
   <p:notesSz cx="6858000" cy="9144000"/>
   <p:defaultTextStyle>
@@ -123,7 +127,7 @@
       </p:grpSpPr>
       <p:sp>
         <p:nvSpPr>
-          <p:cNvPr id="2" name="Заголовок 1"/>
+          <p:cNvPr id="2" name="Title 1"/>
           <p:cNvSpPr>
             <a:spLocks noGrp="1"/>
           </p:cNvSpPr>
@@ -133,25 +137,31 @@
         </p:nvSpPr>
         <p:spPr>
           <a:xfrm>
-            <a:off x="685800" y="2130425"/>
-            <a:ext cx="7772400" cy="1470025"/>
+            <a:off x="914400" y="2516624"/>
+            <a:ext cx="7315200" cy="2595025"/>
           </a:xfrm>
         </p:spPr>
         <p:txBody>
-          <a:bodyPr/>
-          <a:lstStyle/>
+          <a:bodyPr>
+            <a:normAutofit/>
+          </a:bodyPr>
+          <a:lstStyle>
+            <a:lvl1pPr>
+              <a:defRPr sz="4800"/>
+            </a:lvl1pPr>
+          </a:lstStyle>
           <a:p>
             <a:r>
               <a:rPr lang="ru-RU" smtClean="0"/>
               <a:t>Образец заголовка</a:t>
             </a:r>
-            <a:endParaRPr lang="ru-RU"/>
-          </a:p>
-        </p:txBody>
-      </p:sp>
-      <p:sp>
-        <p:nvSpPr>
-          <p:cNvPr id="3" name="Подзаголовок 2"/>
+            <a:endParaRPr lang="en-US"/>
+          </a:p>
+        </p:txBody>
+      </p:sp>
+      <p:sp>
+        <p:nvSpPr>
+          <p:cNvPr id="3" name="Subtitle 2"/>
           <p:cNvSpPr>
             <a:spLocks noGrp="1"/>
           </p:cNvSpPr>
@@ -161,20 +171,20 @@
         </p:nvSpPr>
         <p:spPr>
           <a:xfrm>
-            <a:off x="1371600" y="3886200"/>
-            <a:ext cx="6400800" cy="1752600"/>
+            <a:off x="914400" y="5166530"/>
+            <a:ext cx="7315200" cy="1144632"/>
           </a:xfrm>
         </p:spPr>
         <p:txBody>
-          <a:bodyPr/>
+          <a:bodyPr>
+            <a:normAutofit/>
+          </a:bodyPr>
           <a:lstStyle>
-            <a:lvl1pPr marL="0" indent="0" algn="ctr">
-              <a:buNone/>
-              <a:defRPr>
+            <a:lvl1pPr marL="0" indent="0" algn="l">
+              <a:buNone/>
+              <a:defRPr sz="2200">
                 <a:solidFill>
-                  <a:schemeClr val="tx1">
-                    <a:tint val="75000"/>
-                  </a:schemeClr>
+                  <a:schemeClr val="tx1"/>
                 </a:solidFill>
               </a:defRPr>
             </a:lvl1pPr>
@@ -264,13 +274,13 @@
               <a:rPr lang="ru-RU" smtClean="0"/>
               <a:t>Образец подзаголовка</a:t>
             </a:r>
-            <a:endParaRPr lang="ru-RU"/>
-          </a:p>
-        </p:txBody>
-      </p:sp>
-      <p:sp>
-        <p:nvSpPr>
-          <p:cNvPr id="4" name="Дата 3"/>
+            <a:endParaRPr lang="en-US" dirty="0"/>
+          </a:p>
+        </p:txBody>
+      </p:sp>
+      <p:sp>
+        <p:nvSpPr>
+          <p:cNvPr id="7" name="Date Placeholder 6"/>
           <p:cNvSpPr>
             <a:spLocks noGrp="1"/>
           </p:cNvSpPr>
@@ -285,7 +295,7 @@
           <a:p>
             <a:fld id="{B4C71EC6-210F-42DE-9C53-41977AD35B3D}" type="datetimeFigureOut">
               <a:rPr lang="ru-RU" smtClean="0"/>
-              <a:t>12.11.2009</a:t>
+              <a:t>24.03.2017</a:t>
             </a:fld>
             <a:endParaRPr lang="ru-RU"/>
           </a:p>
@@ -293,31 +303,12 @@
       </p:sp>
       <p:sp>
         <p:nvSpPr>
-          <p:cNvPr id="5" name="Нижний колонтитул 4"/>
-          <p:cNvSpPr>
-            <a:spLocks noGrp="1"/>
-          </p:cNvSpPr>
-          <p:nvPr>
-            <p:ph type="ftr" sz="quarter" idx="11"/>
-          </p:nvPr>
-        </p:nvSpPr>
-        <p:spPr/>
-        <p:txBody>
-          <a:bodyPr/>
-          <a:lstStyle/>
-          <a:p>
-            <a:endParaRPr lang="ru-RU"/>
-          </a:p>
-        </p:txBody>
-      </p:sp>
-      <p:sp>
-        <p:nvSpPr>
-          <p:cNvPr id="6" name="Номер слайда 5"/>
-          <p:cNvSpPr>
-            <a:spLocks noGrp="1"/>
-          </p:cNvSpPr>
-          <p:nvPr>
-            <p:ph type="sldNum" sz="quarter" idx="12"/>
+          <p:cNvPr id="8" name="Slide Number Placeholder 7"/>
+          <p:cNvSpPr>
+            <a:spLocks noGrp="1"/>
+          </p:cNvSpPr>
+          <p:nvPr>
+            <p:ph type="sldNum" sz="quarter" idx="11"/>
           </p:nvPr>
         </p:nvSpPr>
         <p:spPr/>
@@ -329,6 +320,25 @@
               <a:rPr lang="ru-RU" smtClean="0"/>
               <a:t>‹#›</a:t>
             </a:fld>
+            <a:endParaRPr lang="ru-RU"/>
+          </a:p>
+        </p:txBody>
+      </p:sp>
+      <p:sp>
+        <p:nvSpPr>
+          <p:cNvPr id="9" name="Footer Placeholder 8"/>
+          <p:cNvSpPr>
+            <a:spLocks noGrp="1"/>
+          </p:cNvSpPr>
+          <p:nvPr>
+            <p:ph type="ftr" sz="quarter" idx="12"/>
+          </p:nvPr>
+        </p:nvSpPr>
+        <p:spPr/>
+        <p:txBody>
+          <a:bodyPr/>
+          <a:lstStyle/>
+          <a:p>
             <a:endParaRPr lang="ru-RU"/>
           </a:p>
         </p:txBody>
@@ -360,7 +370,7 @@
       </p:grpSpPr>
       <p:sp>
         <p:nvSpPr>
-          <p:cNvPr id="2" name="Заголовок 1"/>
+          <p:cNvPr id="2" name="Title 1"/>
           <p:cNvSpPr>
             <a:spLocks noGrp="1"/>
           </p:cNvSpPr>
@@ -377,13 +387,13 @@
               <a:rPr lang="ru-RU" smtClean="0"/>
               <a:t>Образец заголовка</a:t>
             </a:r>
-            <a:endParaRPr lang="ru-RU"/>
-          </a:p>
-        </p:txBody>
-      </p:sp>
-      <p:sp>
-        <p:nvSpPr>
-          <p:cNvPr id="3" name="Вертикальный текст 2"/>
+            <a:endParaRPr lang="en-US"/>
+          </a:p>
+        </p:txBody>
+      </p:sp>
+      <p:sp>
+        <p:nvSpPr>
+          <p:cNvPr id="3" name="Vertical Text Placeholder 2"/>
           <p:cNvSpPr>
             <a:spLocks noGrp="1"/>
           </p:cNvSpPr>
@@ -429,13 +439,13 @@
               <a:rPr lang="ru-RU" smtClean="0"/>
               <a:t>Пятый уровень</a:t>
             </a:r>
-            <a:endParaRPr lang="ru-RU"/>
-          </a:p>
-        </p:txBody>
-      </p:sp>
-      <p:sp>
-        <p:nvSpPr>
-          <p:cNvPr id="4" name="Дата 3"/>
+            <a:endParaRPr lang="en-US"/>
+          </a:p>
+        </p:txBody>
+      </p:sp>
+      <p:sp>
+        <p:nvSpPr>
+          <p:cNvPr id="4" name="Date Placeholder 3"/>
           <p:cNvSpPr>
             <a:spLocks noGrp="1"/>
           </p:cNvSpPr>
@@ -450,7 +460,7 @@
           <a:p>
             <a:fld id="{B4C71EC6-210F-42DE-9C53-41977AD35B3D}" type="datetimeFigureOut">
               <a:rPr lang="ru-RU" smtClean="0"/>
-              <a:t>12.11.2009</a:t>
+              <a:t>24.03.2017</a:t>
             </a:fld>
             <a:endParaRPr lang="ru-RU"/>
           </a:p>
@@ -458,7 +468,7 @@
       </p:sp>
       <p:sp>
         <p:nvSpPr>
-          <p:cNvPr id="5" name="Нижний колонтитул 4"/>
+          <p:cNvPr id="5" name="Footer Placeholder 4"/>
           <p:cNvSpPr>
             <a:spLocks noGrp="1"/>
           </p:cNvSpPr>
@@ -477,7 +487,7 @@
       </p:sp>
       <p:sp>
         <p:nvSpPr>
-          <p:cNvPr id="6" name="Номер слайда 5"/>
+          <p:cNvPr id="6" name="Slide Number Placeholder 5"/>
           <p:cNvSpPr>
             <a:spLocks noGrp="1"/>
           </p:cNvSpPr>
@@ -525,7 +535,7 @@
       </p:grpSpPr>
       <p:sp>
         <p:nvSpPr>
-          <p:cNvPr id="2" name="Вертикальный заголовок 1"/>
+          <p:cNvPr id="2" name="Vertical Title 1"/>
           <p:cNvSpPr>
             <a:spLocks noGrp="1"/>
           </p:cNvSpPr>
@@ -535,8 +545,8 @@
         </p:nvSpPr>
         <p:spPr>
           <a:xfrm>
-            <a:off x="6629400" y="274638"/>
-            <a:ext cx="2057400" cy="5851525"/>
+            <a:off x="6248400" y="1826709"/>
+            <a:ext cx="1492499" cy="4484454"/>
           </a:xfrm>
         </p:spPr>
         <p:txBody>
@@ -547,13 +557,13 @@
               <a:rPr lang="ru-RU" smtClean="0"/>
               <a:t>Образец заголовка</a:t>
             </a:r>
-            <a:endParaRPr lang="ru-RU"/>
-          </a:p>
-        </p:txBody>
-      </p:sp>
-      <p:sp>
-        <p:nvSpPr>
-          <p:cNvPr id="3" name="Вертикальный текст 2"/>
+            <a:endParaRPr lang="en-US"/>
+          </a:p>
+        </p:txBody>
+      </p:sp>
+      <p:sp>
+        <p:nvSpPr>
+          <p:cNvPr id="3" name="Vertical Text Placeholder 2"/>
           <p:cNvSpPr>
             <a:spLocks noGrp="1"/>
           </p:cNvSpPr>
@@ -563,8 +573,8 @@
         </p:nvSpPr>
         <p:spPr>
           <a:xfrm>
-            <a:off x="457200" y="274638"/>
-            <a:ext cx="6019800" cy="5851525"/>
+            <a:off x="854524" y="1826709"/>
+            <a:ext cx="5241476" cy="4484454"/>
           </a:xfrm>
         </p:spPr>
         <p:txBody>
@@ -604,13 +614,13 @@
               <a:rPr lang="ru-RU" smtClean="0"/>
               <a:t>Пятый уровень</a:t>
             </a:r>
-            <a:endParaRPr lang="ru-RU"/>
-          </a:p>
-        </p:txBody>
-      </p:sp>
-      <p:sp>
-        <p:nvSpPr>
-          <p:cNvPr id="4" name="Дата 3"/>
+            <a:endParaRPr lang="en-US"/>
+          </a:p>
+        </p:txBody>
+      </p:sp>
+      <p:sp>
+        <p:nvSpPr>
+          <p:cNvPr id="4" name="Date Placeholder 3"/>
           <p:cNvSpPr>
             <a:spLocks noGrp="1"/>
           </p:cNvSpPr>
@@ -625,7 +635,7 @@
           <a:p>
             <a:fld id="{B4C71EC6-210F-42DE-9C53-41977AD35B3D}" type="datetimeFigureOut">
               <a:rPr lang="ru-RU" smtClean="0"/>
-              <a:t>12.11.2009</a:t>
+              <a:t>24.03.2017</a:t>
             </a:fld>
             <a:endParaRPr lang="ru-RU"/>
           </a:p>
@@ -633,7 +643,7 @@
       </p:sp>
       <p:sp>
         <p:nvSpPr>
-          <p:cNvPr id="5" name="Нижний колонтитул 4"/>
+          <p:cNvPr id="5" name="Footer Placeholder 4"/>
           <p:cNvSpPr>
             <a:spLocks noGrp="1"/>
           </p:cNvSpPr>
@@ -652,7 +662,7 @@
       </p:sp>
       <p:sp>
         <p:nvSpPr>
-          <p:cNvPr id="6" name="Номер слайда 5"/>
+          <p:cNvPr id="6" name="Slide Number Placeholder 5"/>
           <p:cNvSpPr>
             <a:spLocks noGrp="1"/>
           </p:cNvSpPr>
@@ -700,7 +710,7 @@
       </p:grpSpPr>
       <p:sp>
         <p:nvSpPr>
-          <p:cNvPr id="2" name="Заголовок 1"/>
+          <p:cNvPr id="2" name="Title 1"/>
           <p:cNvSpPr>
             <a:spLocks noGrp="1"/>
           </p:cNvSpPr>
@@ -717,13 +727,13 @@
               <a:rPr lang="ru-RU" smtClean="0"/>
               <a:t>Образец заголовка</a:t>
             </a:r>
-            <a:endParaRPr lang="ru-RU"/>
-          </a:p>
-        </p:txBody>
-      </p:sp>
-      <p:sp>
-        <p:nvSpPr>
-          <p:cNvPr id="3" name="Содержимое 2"/>
+            <a:endParaRPr lang="en-US"/>
+          </a:p>
+        </p:txBody>
+      </p:sp>
+      <p:sp>
+        <p:nvSpPr>
+          <p:cNvPr id="3" name="Content Placeholder 2"/>
           <p:cNvSpPr>
             <a:spLocks noGrp="1"/>
           </p:cNvSpPr>
@@ -769,13 +779,13 @@
               <a:rPr lang="ru-RU" smtClean="0"/>
               <a:t>Пятый уровень</a:t>
             </a:r>
-            <a:endParaRPr lang="ru-RU"/>
-          </a:p>
-        </p:txBody>
-      </p:sp>
-      <p:sp>
-        <p:nvSpPr>
-          <p:cNvPr id="4" name="Дата 3"/>
+            <a:endParaRPr lang="en-US" dirty="0"/>
+          </a:p>
+        </p:txBody>
+      </p:sp>
+      <p:sp>
+        <p:nvSpPr>
+          <p:cNvPr id="4" name="Date Placeholder 3"/>
           <p:cNvSpPr>
             <a:spLocks noGrp="1"/>
           </p:cNvSpPr>
@@ -790,7 +800,7 @@
           <a:p>
             <a:fld id="{B4C71EC6-210F-42DE-9C53-41977AD35B3D}" type="datetimeFigureOut">
               <a:rPr lang="ru-RU" smtClean="0"/>
-              <a:t>12.11.2009</a:t>
+              <a:t>24.03.2017</a:t>
             </a:fld>
             <a:endParaRPr lang="ru-RU"/>
           </a:p>
@@ -798,7 +808,7 @@
       </p:sp>
       <p:sp>
         <p:nvSpPr>
-          <p:cNvPr id="5" name="Нижний колонтитул 4"/>
+          <p:cNvPr id="5" name="Footer Placeholder 4"/>
           <p:cNvSpPr>
             <a:spLocks noGrp="1"/>
           </p:cNvSpPr>
@@ -817,7 +827,7 @@
       </p:sp>
       <p:sp>
         <p:nvSpPr>
-          <p:cNvPr id="6" name="Номер слайда 5"/>
+          <p:cNvPr id="6" name="Slide Number Placeholder 5"/>
           <p:cNvSpPr>
             <a:spLocks noGrp="1"/>
           </p:cNvSpPr>
@@ -865,7 +875,7 @@
       </p:grpSpPr>
       <p:sp>
         <p:nvSpPr>
-          <p:cNvPr id="2" name="Заголовок 1"/>
+          <p:cNvPr id="2" name="Title 1"/>
           <p:cNvSpPr>
             <a:spLocks noGrp="1"/>
           </p:cNvSpPr>
@@ -875,15 +885,15 @@
         </p:nvSpPr>
         <p:spPr>
           <a:xfrm>
-            <a:off x="722313" y="4406900"/>
-            <a:ext cx="7772400" cy="1362075"/>
+            <a:off x="914400" y="5017572"/>
+            <a:ext cx="7315200" cy="1293592"/>
           </a:xfrm>
         </p:spPr>
         <p:txBody>
           <a:bodyPr anchor="t"/>
           <a:lstStyle>
             <a:lvl1pPr algn="l">
-              <a:defRPr sz="4000" b="1" cap="all"/>
+              <a:defRPr sz="4000" b="0" cap="none"/>
             </a:lvl1pPr>
           </a:lstStyle>
           <a:p>
@@ -891,13 +901,13 @@
               <a:rPr lang="ru-RU" smtClean="0"/>
               <a:t>Образец заголовка</a:t>
             </a:r>
-            <a:endParaRPr lang="ru-RU"/>
-          </a:p>
-        </p:txBody>
-      </p:sp>
-      <p:sp>
-        <p:nvSpPr>
-          <p:cNvPr id="3" name="Текст 2"/>
+            <a:endParaRPr lang="en-US"/>
+          </a:p>
+        </p:txBody>
+      </p:sp>
+      <p:sp>
+        <p:nvSpPr>
+          <p:cNvPr id="3" name="Text Placeholder 2"/>
           <p:cNvSpPr>
             <a:spLocks noGrp="1"/>
           </p:cNvSpPr>
@@ -907,8 +917,8 @@
         </p:nvSpPr>
         <p:spPr>
           <a:xfrm>
-            <a:off x="722313" y="2906713"/>
-            <a:ext cx="7772400" cy="1500187"/>
+            <a:off x="914400" y="3865097"/>
+            <a:ext cx="7315200" cy="1098439"/>
           </a:xfrm>
         </p:spPr>
         <p:txBody>
@@ -918,9 +928,7 @@
               <a:buNone/>
               <a:defRPr sz="2000">
                 <a:solidFill>
-                  <a:schemeClr val="tx1">
-                    <a:tint val="75000"/>
-                  </a:schemeClr>
+                  <a:schemeClr val="tx1"/>
                 </a:solidFill>
               </a:defRPr>
             </a:lvl1pPr>
@@ -1016,7 +1024,7 @@
       </p:sp>
       <p:sp>
         <p:nvSpPr>
-          <p:cNvPr id="4" name="Дата 3"/>
+          <p:cNvPr id="4" name="Date Placeholder 3"/>
           <p:cNvSpPr>
             <a:spLocks noGrp="1"/>
           </p:cNvSpPr>
@@ -1031,7 +1039,7 @@
           <a:p>
             <a:fld id="{B4C71EC6-210F-42DE-9C53-41977AD35B3D}" type="datetimeFigureOut">
               <a:rPr lang="ru-RU" smtClean="0"/>
-              <a:t>12.11.2009</a:t>
+              <a:t>24.03.2017</a:t>
             </a:fld>
             <a:endParaRPr lang="ru-RU"/>
           </a:p>
@@ -1039,7 +1047,7 @@
       </p:sp>
       <p:sp>
         <p:nvSpPr>
-          <p:cNvPr id="5" name="Нижний колонтитул 4"/>
+          <p:cNvPr id="5" name="Footer Placeholder 4"/>
           <p:cNvSpPr>
             <a:spLocks noGrp="1"/>
           </p:cNvSpPr>
@@ -1058,7 +1066,7 @@
       </p:sp>
       <p:sp>
         <p:nvSpPr>
-          <p:cNvPr id="6" name="Номер слайда 5"/>
+          <p:cNvPr id="6" name="Slide Number Placeholder 5"/>
           <p:cNvSpPr>
             <a:spLocks noGrp="1"/>
           </p:cNvSpPr>
@@ -1106,200 +1114,7 @@
       </p:grpSpPr>
       <p:sp>
         <p:nvSpPr>
-          <p:cNvPr id="2" name="Заголовок 1"/>
-          <p:cNvSpPr>
-            <a:spLocks noGrp="1"/>
-          </p:cNvSpPr>
-          <p:nvPr>
-            <p:ph type="title"/>
-          </p:nvPr>
-        </p:nvSpPr>
-        <p:spPr/>
-        <p:txBody>
-          <a:bodyPr/>
-          <a:lstStyle/>
-          <a:p>
-            <a:r>
-              <a:rPr lang="ru-RU" smtClean="0"/>
-              <a:t>Образец заголовка</a:t>
-            </a:r>
-            <a:endParaRPr lang="ru-RU"/>
-          </a:p>
-        </p:txBody>
-      </p:sp>
-      <p:sp>
-        <p:nvSpPr>
-          <p:cNvPr id="3" name="Содержимое 2"/>
-          <p:cNvSpPr>
-            <a:spLocks noGrp="1"/>
-          </p:cNvSpPr>
-          <p:nvPr>
-            <p:ph sz="half" idx="1"/>
-          </p:nvPr>
-        </p:nvSpPr>
-        <p:spPr>
-          <a:xfrm>
-            <a:off x="457200" y="1600200"/>
-            <a:ext cx="4038600" cy="4525963"/>
-          </a:xfrm>
-        </p:spPr>
-        <p:txBody>
-          <a:bodyPr/>
-          <a:lstStyle>
-            <a:lvl1pPr>
-              <a:defRPr sz="2800"/>
-            </a:lvl1pPr>
-            <a:lvl2pPr>
-              <a:defRPr sz="2400"/>
-            </a:lvl2pPr>
-            <a:lvl3pPr>
-              <a:defRPr sz="2000"/>
-            </a:lvl3pPr>
-            <a:lvl4pPr>
-              <a:defRPr sz="1800"/>
-            </a:lvl4pPr>
-            <a:lvl5pPr>
-              <a:defRPr sz="1800"/>
-            </a:lvl5pPr>
-            <a:lvl6pPr>
-              <a:defRPr sz="1800"/>
-            </a:lvl6pPr>
-            <a:lvl7pPr>
-              <a:defRPr sz="1800"/>
-            </a:lvl7pPr>
-            <a:lvl8pPr>
-              <a:defRPr sz="1800"/>
-            </a:lvl8pPr>
-            <a:lvl9pPr>
-              <a:defRPr sz="1800"/>
-            </a:lvl9pPr>
-          </a:lstStyle>
-          <a:p>
-            <a:pPr lvl="0"/>
-            <a:r>
-              <a:rPr lang="ru-RU" smtClean="0"/>
-              <a:t>Образец текста</a:t>
-            </a:r>
-          </a:p>
-          <a:p>
-            <a:pPr lvl="1"/>
-            <a:r>
-              <a:rPr lang="ru-RU" smtClean="0"/>
-              <a:t>Второй уровень</a:t>
-            </a:r>
-          </a:p>
-          <a:p>
-            <a:pPr lvl="2"/>
-            <a:r>
-              <a:rPr lang="ru-RU" smtClean="0"/>
-              <a:t>Третий уровень</a:t>
-            </a:r>
-          </a:p>
-          <a:p>
-            <a:pPr lvl="3"/>
-            <a:r>
-              <a:rPr lang="ru-RU" smtClean="0"/>
-              <a:t>Четвертый уровень</a:t>
-            </a:r>
-          </a:p>
-          <a:p>
-            <a:pPr lvl="4"/>
-            <a:r>
-              <a:rPr lang="ru-RU" smtClean="0"/>
-              <a:t>Пятый уровень</a:t>
-            </a:r>
-            <a:endParaRPr lang="ru-RU"/>
-          </a:p>
-        </p:txBody>
-      </p:sp>
-      <p:sp>
-        <p:nvSpPr>
-          <p:cNvPr id="4" name="Содержимое 3"/>
-          <p:cNvSpPr>
-            <a:spLocks noGrp="1"/>
-          </p:cNvSpPr>
-          <p:nvPr>
-            <p:ph sz="half" idx="2"/>
-          </p:nvPr>
-        </p:nvSpPr>
-        <p:spPr>
-          <a:xfrm>
-            <a:off x="4648200" y="1600200"/>
-            <a:ext cx="4038600" cy="4525963"/>
-          </a:xfrm>
-        </p:spPr>
-        <p:txBody>
-          <a:bodyPr/>
-          <a:lstStyle>
-            <a:lvl1pPr>
-              <a:defRPr sz="2800"/>
-            </a:lvl1pPr>
-            <a:lvl2pPr>
-              <a:defRPr sz="2400"/>
-            </a:lvl2pPr>
-            <a:lvl3pPr>
-              <a:defRPr sz="2000"/>
-            </a:lvl3pPr>
-            <a:lvl4pPr>
-              <a:defRPr sz="1800"/>
-            </a:lvl4pPr>
-            <a:lvl5pPr>
-              <a:defRPr sz="1800"/>
-            </a:lvl5pPr>
-            <a:lvl6pPr>
-              <a:defRPr sz="1800"/>
-            </a:lvl6pPr>
-            <a:lvl7pPr>
-              <a:defRPr sz="1800"/>
-            </a:lvl7pPr>
-            <a:lvl8pPr>
-              <a:defRPr sz="1800"/>
-            </a:lvl8pPr>
-            <a:lvl9pPr>
-              <a:defRPr sz="1800"/>
-            </a:lvl9pPr>
-          </a:lstStyle>
-          <a:p>
-            <a:pPr lvl="0"/>
-            <a:r>
-              <a:rPr lang="ru-RU" smtClean="0"/>
-              <a:t>Образец текста</a:t>
-            </a:r>
-          </a:p>
-          <a:p>
-            <a:pPr lvl="1"/>
-            <a:r>
-              <a:rPr lang="ru-RU" smtClean="0"/>
-              <a:t>Второй уровень</a:t>
-            </a:r>
-          </a:p>
-          <a:p>
-            <a:pPr lvl="2"/>
-            <a:r>
-              <a:rPr lang="ru-RU" smtClean="0"/>
-              <a:t>Третий уровень</a:t>
-            </a:r>
-          </a:p>
-          <a:p>
-            <a:pPr lvl="3"/>
-            <a:r>
-              <a:rPr lang="ru-RU" smtClean="0"/>
-              <a:t>Четвертый уровень</a:t>
-            </a:r>
-          </a:p>
-          <a:p>
-            <a:pPr lvl="4"/>
-            <a:r>
-              <a:rPr lang="ru-RU" smtClean="0"/>
-              <a:t>Пятый уровень</a:t>
-            </a:r>
-            <a:endParaRPr lang="ru-RU"/>
-          </a:p>
-        </p:txBody>
-      </p:sp>
-      <p:sp>
-        <p:nvSpPr>
-          <p:cNvPr id="5" name="Дата 4"/>
+          <p:cNvPr id="5" name="Date Placeholder 4"/>
           <p:cNvSpPr>
             <a:spLocks noGrp="1"/>
           </p:cNvSpPr>
@@ -1314,7 +1129,7 @@
           <a:p>
             <a:fld id="{B4C71EC6-210F-42DE-9C53-41977AD35B3D}" type="datetimeFigureOut">
               <a:rPr lang="ru-RU" smtClean="0"/>
-              <a:t>12.11.2009</a:t>
+              <a:t>24.03.2017</a:t>
             </a:fld>
             <a:endParaRPr lang="ru-RU"/>
           </a:p>
@@ -1322,7 +1137,7 @@
       </p:sp>
       <p:sp>
         <p:nvSpPr>
-          <p:cNvPr id="6" name="Нижний колонтитул 5"/>
+          <p:cNvPr id="6" name="Footer Placeholder 5"/>
           <p:cNvSpPr>
             <a:spLocks noGrp="1"/>
           </p:cNvSpPr>
@@ -1341,7 +1156,7 @@
       </p:sp>
       <p:sp>
         <p:nvSpPr>
-          <p:cNvPr id="7" name="Номер слайда 6"/>
+          <p:cNvPr id="7" name="Slide Number Placeholder 6"/>
           <p:cNvSpPr>
             <a:spLocks noGrp="1"/>
           </p:cNvSpPr>
@@ -1359,6 +1174,148 @@
               <a:t>‹#›</a:t>
             </a:fld>
             <a:endParaRPr lang="ru-RU"/>
+          </a:p>
+        </p:txBody>
+      </p:sp>
+      <p:sp>
+        <p:nvSpPr>
+          <p:cNvPr id="9" name="Title 8"/>
+          <p:cNvSpPr>
+            <a:spLocks noGrp="1"/>
+          </p:cNvSpPr>
+          <p:nvPr>
+            <p:ph type="title"/>
+          </p:nvPr>
+        </p:nvSpPr>
+        <p:spPr>
+          <a:xfrm>
+            <a:off x="914400" y="1544715"/>
+            <a:ext cx="7315200" cy="1154097"/>
+          </a:xfrm>
+        </p:spPr>
+        <p:txBody>
+          <a:bodyPr/>
+          <a:lstStyle/>
+          <a:p>
+            <a:r>
+              <a:rPr lang="ru-RU" smtClean="0"/>
+              <a:t>Образец заголовка</a:t>
+            </a:r>
+            <a:endParaRPr lang="en-US"/>
+          </a:p>
+        </p:txBody>
+      </p:sp>
+      <p:sp>
+        <p:nvSpPr>
+          <p:cNvPr id="8" name="Content Placeholder 7"/>
+          <p:cNvSpPr>
+            <a:spLocks noGrp="1"/>
+          </p:cNvSpPr>
+          <p:nvPr>
+            <p:ph sz="quarter" idx="13"/>
+          </p:nvPr>
+        </p:nvSpPr>
+        <p:spPr>
+          <a:xfrm>
+            <a:off x="914400" y="2743200"/>
+            <a:ext cx="3566160" cy="3593592"/>
+          </a:xfrm>
+        </p:spPr>
+        <p:txBody>
+          <a:bodyPr/>
+          <a:lstStyle/>
+          <a:p>
+            <a:pPr lvl="0"/>
+            <a:r>
+              <a:rPr lang="ru-RU" smtClean="0"/>
+              <a:t>Образец текста</a:t>
+            </a:r>
+          </a:p>
+          <a:p>
+            <a:pPr lvl="1"/>
+            <a:r>
+              <a:rPr lang="ru-RU" smtClean="0"/>
+              <a:t>Второй уровень</a:t>
+            </a:r>
+          </a:p>
+          <a:p>
+            <a:pPr lvl="2"/>
+            <a:r>
+              <a:rPr lang="ru-RU" smtClean="0"/>
+              <a:t>Третий уровень</a:t>
+            </a:r>
+          </a:p>
+          <a:p>
+            <a:pPr lvl="3"/>
+            <a:r>
+              <a:rPr lang="ru-RU" smtClean="0"/>
+              <a:t>Четвертый уровень</a:t>
+            </a:r>
+          </a:p>
+          <a:p>
+            <a:pPr lvl="4"/>
+            <a:r>
+              <a:rPr lang="ru-RU" smtClean="0"/>
+              <a:t>Пятый уровень</a:t>
+            </a:r>
+            <a:endParaRPr lang="en-US"/>
+          </a:p>
+        </p:txBody>
+      </p:sp>
+      <p:sp>
+        <p:nvSpPr>
+          <p:cNvPr id="11" name="Content Placeholder 10"/>
+          <p:cNvSpPr>
+            <a:spLocks noGrp="1"/>
+          </p:cNvSpPr>
+          <p:nvPr>
+            <p:ph sz="quarter" idx="14"/>
+          </p:nvPr>
+        </p:nvSpPr>
+        <p:spPr>
+          <a:xfrm>
+            <a:off x="4681728" y="2743200"/>
+            <a:ext cx="3566160" cy="3595687"/>
+          </a:xfrm>
+        </p:spPr>
+        <p:txBody>
+          <a:bodyPr/>
+          <a:lstStyle/>
+          <a:p>
+            <a:pPr lvl="0"/>
+            <a:r>
+              <a:rPr lang="ru-RU" smtClean="0"/>
+              <a:t>Образец текста</a:t>
+            </a:r>
+          </a:p>
+          <a:p>
+            <a:pPr lvl="1"/>
+            <a:r>
+              <a:rPr lang="ru-RU" smtClean="0"/>
+              <a:t>Второй уровень</a:t>
+            </a:r>
+          </a:p>
+          <a:p>
+            <a:pPr lvl="2"/>
+            <a:r>
+              <a:rPr lang="ru-RU" smtClean="0"/>
+              <a:t>Третий уровень</a:t>
+            </a:r>
+          </a:p>
+          <a:p>
+            <a:pPr lvl="3"/>
+            <a:r>
+              <a:rPr lang="ru-RU" smtClean="0"/>
+              <a:t>Четвертый уровень</a:t>
+            </a:r>
+          </a:p>
+          <a:p>
+            <a:pPr lvl="4"/>
+            <a:r>
+              <a:rPr lang="ru-RU" smtClean="0"/>
+              <a:t>Пятый уровень</a:t>
+            </a:r>
+            <a:endParaRPr lang="en-US"/>
           </a:p>
         </p:txBody>
       </p:sp>
@@ -1389,34 +1346,7 @@
       </p:grpSpPr>
       <p:sp>
         <p:nvSpPr>
-          <p:cNvPr id="2" name="Заголовок 1"/>
-          <p:cNvSpPr>
-            <a:spLocks noGrp="1"/>
-          </p:cNvSpPr>
-          <p:nvPr>
-            <p:ph type="title"/>
-          </p:nvPr>
-        </p:nvSpPr>
-        <p:spPr/>
-        <p:txBody>
-          <a:bodyPr/>
-          <a:lstStyle>
-            <a:lvl1pPr>
-              <a:defRPr/>
-            </a:lvl1pPr>
-          </a:lstStyle>
-          <a:p>
-            <a:r>
-              <a:rPr lang="ru-RU" smtClean="0"/>
-              <a:t>Образец заголовка</a:t>
-            </a:r>
-            <a:endParaRPr lang="ru-RU"/>
-          </a:p>
-        </p:txBody>
-      </p:sp>
-      <p:sp>
-        <p:nvSpPr>
-          <p:cNvPr id="3" name="Текст 2"/>
+          <p:cNvPr id="3" name="Text Placeholder 2"/>
           <p:cNvSpPr>
             <a:spLocks noGrp="1"/>
           </p:cNvSpPr>
@@ -1426,16 +1356,22 @@
         </p:nvSpPr>
         <p:spPr>
           <a:xfrm>
-            <a:off x="457200" y="1535113"/>
-            <a:ext cx="4040188" cy="639762"/>
+            <a:off x="1116348" y="2743200"/>
+            <a:ext cx="3364992" cy="621792"/>
           </a:xfrm>
         </p:spPr>
         <p:txBody>
-          <a:bodyPr anchor="b"/>
+          <a:bodyPr anchor="b">
+            <a:noAutofit/>
+          </a:bodyPr>
           <a:lstStyle>
             <a:lvl1pPr marL="0" indent="0">
               <a:buNone/>
-              <a:defRPr sz="2400" b="1"/>
+              <a:defRPr sz="2000" b="1">
+                <a:solidFill>
+                  <a:schemeClr val="tx2"/>
+                </a:solidFill>
+              </a:defRPr>
             </a:lvl1pPr>
             <a:lvl2pPr marL="457200" indent="0">
               <a:buNone/>
@@ -1481,111 +1417,32 @@
       </p:sp>
       <p:sp>
         <p:nvSpPr>
-          <p:cNvPr id="4" name="Содержимое 3"/>
-          <p:cNvSpPr>
-            <a:spLocks noGrp="1"/>
-          </p:cNvSpPr>
-          <p:nvPr>
-            <p:ph sz="half" idx="2"/>
+          <p:cNvPr id="5" name="Text Placeholder 4"/>
+          <p:cNvSpPr>
+            <a:spLocks noGrp="1"/>
+          </p:cNvSpPr>
+          <p:nvPr>
+            <p:ph type="body" sz="quarter" idx="3"/>
           </p:nvPr>
         </p:nvSpPr>
         <p:spPr>
           <a:xfrm>
-            <a:off x="457200" y="2174875"/>
-            <a:ext cx="4040188" cy="3951288"/>
+            <a:off x="4885144" y="2743200"/>
+            <a:ext cx="3362062" cy="621792"/>
           </a:xfrm>
         </p:spPr>
         <p:txBody>
-          <a:bodyPr/>
-          <a:lstStyle>
-            <a:lvl1pPr>
-              <a:defRPr sz="2400"/>
-            </a:lvl1pPr>
-            <a:lvl2pPr>
-              <a:defRPr sz="2000"/>
-            </a:lvl2pPr>
-            <a:lvl3pPr>
-              <a:defRPr sz="1800"/>
-            </a:lvl3pPr>
-            <a:lvl4pPr>
-              <a:defRPr sz="1600"/>
-            </a:lvl4pPr>
-            <a:lvl5pPr>
-              <a:defRPr sz="1600"/>
-            </a:lvl5pPr>
-            <a:lvl6pPr>
-              <a:defRPr sz="1600"/>
-            </a:lvl6pPr>
-            <a:lvl7pPr>
-              <a:defRPr sz="1600"/>
-            </a:lvl7pPr>
-            <a:lvl8pPr>
-              <a:defRPr sz="1600"/>
-            </a:lvl8pPr>
-            <a:lvl9pPr>
-              <a:defRPr sz="1600"/>
-            </a:lvl9pPr>
-          </a:lstStyle>
-          <a:p>
-            <a:pPr lvl="0"/>
-            <a:r>
-              <a:rPr lang="ru-RU" smtClean="0"/>
-              <a:t>Образец текста</a:t>
-            </a:r>
-          </a:p>
-          <a:p>
-            <a:pPr lvl="1"/>
-            <a:r>
-              <a:rPr lang="ru-RU" smtClean="0"/>
-              <a:t>Второй уровень</a:t>
-            </a:r>
-          </a:p>
-          <a:p>
-            <a:pPr lvl="2"/>
-            <a:r>
-              <a:rPr lang="ru-RU" smtClean="0"/>
-              <a:t>Третий уровень</a:t>
-            </a:r>
-          </a:p>
-          <a:p>
-            <a:pPr lvl="3"/>
-            <a:r>
-              <a:rPr lang="ru-RU" smtClean="0"/>
-              <a:t>Четвертый уровень</a:t>
-            </a:r>
-          </a:p>
-          <a:p>
-            <a:pPr lvl="4"/>
-            <a:r>
-              <a:rPr lang="ru-RU" smtClean="0"/>
-              <a:t>Пятый уровень</a:t>
-            </a:r>
-            <a:endParaRPr lang="ru-RU"/>
-          </a:p>
-        </p:txBody>
-      </p:sp>
-      <p:sp>
-        <p:nvSpPr>
-          <p:cNvPr id="5" name="Текст 4"/>
-          <p:cNvSpPr>
-            <a:spLocks noGrp="1"/>
-          </p:cNvSpPr>
-          <p:nvPr>
-            <p:ph type="body" sz="quarter" idx="3"/>
-          </p:nvPr>
-        </p:nvSpPr>
-        <p:spPr>
-          <a:xfrm>
-            <a:off x="4645025" y="1535113"/>
-            <a:ext cx="4041775" cy="639762"/>
-          </a:xfrm>
-        </p:spPr>
-        <p:txBody>
-          <a:bodyPr anchor="b"/>
+          <a:bodyPr anchor="b">
+            <a:noAutofit/>
+          </a:bodyPr>
           <a:lstStyle>
             <a:lvl1pPr marL="0" indent="0">
               <a:buNone/>
-              <a:defRPr sz="2400" b="1"/>
+              <a:defRPr sz="2000" b="1">
+                <a:solidFill>
+                  <a:schemeClr val="tx2"/>
+                </a:solidFill>
+              </a:defRPr>
             </a:lvl1pPr>
             <a:lvl2pPr marL="457200" indent="0">
               <a:buNone/>
@@ -1631,92 +1488,7 @@
       </p:sp>
       <p:sp>
         <p:nvSpPr>
-          <p:cNvPr id="6" name="Содержимое 5"/>
-          <p:cNvSpPr>
-            <a:spLocks noGrp="1"/>
-          </p:cNvSpPr>
-          <p:nvPr>
-            <p:ph sz="quarter" idx="4"/>
-          </p:nvPr>
-        </p:nvSpPr>
-        <p:spPr>
-          <a:xfrm>
-            <a:off x="4645025" y="2174875"/>
-            <a:ext cx="4041775" cy="3951288"/>
-          </a:xfrm>
-        </p:spPr>
-        <p:txBody>
-          <a:bodyPr/>
-          <a:lstStyle>
-            <a:lvl1pPr>
-              <a:defRPr sz="2400"/>
-            </a:lvl1pPr>
-            <a:lvl2pPr>
-              <a:defRPr sz="2000"/>
-            </a:lvl2pPr>
-            <a:lvl3pPr>
-              <a:defRPr sz="1800"/>
-            </a:lvl3pPr>
-            <a:lvl4pPr>
-              <a:defRPr sz="1600"/>
-            </a:lvl4pPr>
-            <a:lvl5pPr>
-              <a:defRPr sz="1600"/>
-            </a:lvl5pPr>
-            <a:lvl6pPr>
-              <a:defRPr sz="1600"/>
-            </a:lvl6pPr>
-            <a:lvl7pPr>
-              <a:defRPr sz="1600"/>
-            </a:lvl7pPr>
-            <a:lvl8pPr>
-              <a:defRPr sz="1600"/>
-            </a:lvl8pPr>
-            <a:lvl9pPr>
-              <a:defRPr sz="1600"/>
-            </a:lvl9pPr>
-          </a:lstStyle>
-          <a:p>
-            <a:pPr lvl="0"/>
-            <a:r>
-              <a:rPr lang="ru-RU" smtClean="0"/>
-              <a:t>Образец текста</a:t>
-            </a:r>
-          </a:p>
-          <a:p>
-            <a:pPr lvl="1"/>
-            <a:r>
-              <a:rPr lang="ru-RU" smtClean="0"/>
-              <a:t>Второй уровень</a:t>
-            </a:r>
-          </a:p>
-          <a:p>
-            <a:pPr lvl="2"/>
-            <a:r>
-              <a:rPr lang="ru-RU" smtClean="0"/>
-              <a:t>Третий уровень</a:t>
-            </a:r>
-          </a:p>
-          <a:p>
-            <a:pPr lvl="3"/>
-            <a:r>
-              <a:rPr lang="ru-RU" smtClean="0"/>
-              <a:t>Четвертый уровень</a:t>
-            </a:r>
-          </a:p>
-          <a:p>
-            <a:pPr lvl="4"/>
-            <a:r>
-              <a:rPr lang="ru-RU" smtClean="0"/>
-              <a:t>Пятый уровень</a:t>
-            </a:r>
-            <a:endParaRPr lang="ru-RU"/>
-          </a:p>
-        </p:txBody>
-      </p:sp>
-      <p:sp>
-        <p:nvSpPr>
-          <p:cNvPr id="7" name="Дата 6"/>
+          <p:cNvPr id="7" name="Date Placeholder 6"/>
           <p:cNvSpPr>
             <a:spLocks noGrp="1"/>
           </p:cNvSpPr>
@@ -1731,7 +1503,7 @@
           <a:p>
             <a:fld id="{B4C71EC6-210F-42DE-9C53-41977AD35B3D}" type="datetimeFigureOut">
               <a:rPr lang="ru-RU" smtClean="0"/>
-              <a:t>12.11.2009</a:t>
+              <a:t>24.03.2017</a:t>
             </a:fld>
             <a:endParaRPr lang="ru-RU"/>
           </a:p>
@@ -1739,7 +1511,7 @@
       </p:sp>
       <p:sp>
         <p:nvSpPr>
-          <p:cNvPr id="8" name="Нижний колонтитул 7"/>
+          <p:cNvPr id="8" name="Footer Placeholder 7"/>
           <p:cNvSpPr>
             <a:spLocks noGrp="1"/>
           </p:cNvSpPr>
@@ -1758,7 +1530,7 @@
       </p:sp>
       <p:sp>
         <p:nvSpPr>
-          <p:cNvPr id="9" name="Номер слайда 8"/>
+          <p:cNvPr id="9" name="Slide Number Placeholder 8"/>
           <p:cNvSpPr>
             <a:spLocks noGrp="1"/>
           </p:cNvSpPr>
@@ -1776,6 +1548,148 @@
               <a:t>‹#›</a:t>
             </a:fld>
             <a:endParaRPr lang="ru-RU"/>
+          </a:p>
+        </p:txBody>
+      </p:sp>
+      <p:sp>
+        <p:nvSpPr>
+          <p:cNvPr id="10" name="Title 9"/>
+          <p:cNvSpPr>
+            <a:spLocks noGrp="1"/>
+          </p:cNvSpPr>
+          <p:nvPr>
+            <p:ph type="title"/>
+          </p:nvPr>
+        </p:nvSpPr>
+        <p:spPr>
+          <a:xfrm>
+            <a:off x="914400" y="1544715"/>
+            <a:ext cx="7315200" cy="1154097"/>
+          </a:xfrm>
+        </p:spPr>
+        <p:txBody>
+          <a:bodyPr/>
+          <a:lstStyle/>
+          <a:p>
+            <a:r>
+              <a:rPr lang="ru-RU" smtClean="0"/>
+              <a:t>Образец заголовка</a:t>
+            </a:r>
+            <a:endParaRPr lang="en-US" dirty="0"/>
+          </a:p>
+        </p:txBody>
+      </p:sp>
+      <p:sp>
+        <p:nvSpPr>
+          <p:cNvPr id="11" name="Content Placeholder 10"/>
+          <p:cNvSpPr>
+            <a:spLocks noGrp="1"/>
+          </p:cNvSpPr>
+          <p:nvPr>
+            <p:ph sz="quarter" idx="13"/>
+          </p:nvPr>
+        </p:nvSpPr>
+        <p:spPr>
+          <a:xfrm>
+            <a:off x="914400" y="3383280"/>
+            <a:ext cx="3566160" cy="2953512"/>
+          </a:xfrm>
+        </p:spPr>
+        <p:txBody>
+          <a:bodyPr/>
+          <a:lstStyle/>
+          <a:p>
+            <a:pPr lvl="0"/>
+            <a:r>
+              <a:rPr lang="ru-RU" smtClean="0"/>
+              <a:t>Образец текста</a:t>
+            </a:r>
+          </a:p>
+          <a:p>
+            <a:pPr lvl="1"/>
+            <a:r>
+              <a:rPr lang="ru-RU" smtClean="0"/>
+              <a:t>Второй уровень</a:t>
+            </a:r>
+          </a:p>
+          <a:p>
+            <a:pPr lvl="2"/>
+            <a:r>
+              <a:rPr lang="ru-RU" smtClean="0"/>
+              <a:t>Третий уровень</a:t>
+            </a:r>
+          </a:p>
+          <a:p>
+            <a:pPr lvl="3"/>
+            <a:r>
+              <a:rPr lang="ru-RU" smtClean="0"/>
+              <a:t>Четвертый уровень</a:t>
+            </a:r>
+          </a:p>
+          <a:p>
+            <a:pPr lvl="4"/>
+            <a:r>
+              <a:rPr lang="ru-RU" smtClean="0"/>
+              <a:t>Пятый уровень</a:t>
+            </a:r>
+            <a:endParaRPr lang="en-US" dirty="0"/>
+          </a:p>
+        </p:txBody>
+      </p:sp>
+      <p:sp>
+        <p:nvSpPr>
+          <p:cNvPr id="13" name="Content Placeholder 12"/>
+          <p:cNvSpPr>
+            <a:spLocks noGrp="1"/>
+          </p:cNvSpPr>
+          <p:nvPr>
+            <p:ph sz="quarter" idx="14"/>
+          </p:nvPr>
+        </p:nvSpPr>
+        <p:spPr>
+          <a:xfrm>
+            <a:off x="4681727" y="3383280"/>
+            <a:ext cx="3566160" cy="2953512"/>
+          </a:xfrm>
+        </p:spPr>
+        <p:txBody>
+          <a:bodyPr/>
+          <a:lstStyle/>
+          <a:p>
+            <a:pPr lvl="0"/>
+            <a:r>
+              <a:rPr lang="ru-RU" smtClean="0"/>
+              <a:t>Образец текста</a:t>
+            </a:r>
+          </a:p>
+          <a:p>
+            <a:pPr lvl="1"/>
+            <a:r>
+              <a:rPr lang="ru-RU" smtClean="0"/>
+              <a:t>Второй уровень</a:t>
+            </a:r>
+          </a:p>
+          <a:p>
+            <a:pPr lvl="2"/>
+            <a:r>
+              <a:rPr lang="ru-RU" smtClean="0"/>
+              <a:t>Третий уровень</a:t>
+            </a:r>
+          </a:p>
+          <a:p>
+            <a:pPr lvl="3"/>
+            <a:r>
+              <a:rPr lang="ru-RU" smtClean="0"/>
+              <a:t>Четвертый уровень</a:t>
+            </a:r>
+          </a:p>
+          <a:p>
+            <a:pPr lvl="4"/>
+            <a:r>
+              <a:rPr lang="ru-RU" smtClean="0"/>
+              <a:t>Пятый уровень</a:t>
+            </a:r>
+            <a:endParaRPr lang="en-US" dirty="0"/>
           </a:p>
         </p:txBody>
       </p:sp>
@@ -1806,7 +1720,7 @@
       </p:grpSpPr>
       <p:sp>
         <p:nvSpPr>
-          <p:cNvPr id="2" name="Заголовок 1"/>
+          <p:cNvPr id="2" name="Title 1"/>
           <p:cNvSpPr>
             <a:spLocks noGrp="1"/>
           </p:cNvSpPr>
@@ -1823,13 +1737,13 @@
               <a:rPr lang="ru-RU" smtClean="0"/>
               <a:t>Образец заголовка</a:t>
             </a:r>
-            <a:endParaRPr lang="ru-RU"/>
-          </a:p>
-        </p:txBody>
-      </p:sp>
-      <p:sp>
-        <p:nvSpPr>
-          <p:cNvPr id="3" name="Дата 2"/>
+            <a:endParaRPr lang="en-US"/>
+          </a:p>
+        </p:txBody>
+      </p:sp>
+      <p:sp>
+        <p:nvSpPr>
+          <p:cNvPr id="3" name="Date Placeholder 2"/>
           <p:cNvSpPr>
             <a:spLocks noGrp="1"/>
           </p:cNvSpPr>
@@ -1844,7 +1758,7 @@
           <a:p>
             <a:fld id="{B4C71EC6-210F-42DE-9C53-41977AD35B3D}" type="datetimeFigureOut">
               <a:rPr lang="ru-RU" smtClean="0"/>
-              <a:t>12.11.2009</a:t>
+              <a:t>24.03.2017</a:t>
             </a:fld>
             <a:endParaRPr lang="ru-RU"/>
           </a:p>
@@ -1852,7 +1766,7 @@
       </p:sp>
       <p:sp>
         <p:nvSpPr>
-          <p:cNvPr id="4" name="Нижний колонтитул 3"/>
+          <p:cNvPr id="4" name="Footer Placeholder 3"/>
           <p:cNvSpPr>
             <a:spLocks noGrp="1"/>
           </p:cNvSpPr>
@@ -1871,7 +1785,7 @@
       </p:sp>
       <p:sp>
         <p:nvSpPr>
-          <p:cNvPr id="5" name="Номер слайда 4"/>
+          <p:cNvPr id="5" name="Slide Number Placeholder 4"/>
           <p:cNvSpPr>
             <a:spLocks noGrp="1"/>
           </p:cNvSpPr>
@@ -1919,7 +1833,7 @@
       </p:grpSpPr>
       <p:sp>
         <p:nvSpPr>
-          <p:cNvPr id="2" name="Дата 1"/>
+          <p:cNvPr id="2" name="Date Placeholder 1"/>
           <p:cNvSpPr>
             <a:spLocks noGrp="1"/>
           </p:cNvSpPr>
@@ -1934,7 +1848,7 @@
           <a:p>
             <a:fld id="{B4C71EC6-210F-42DE-9C53-41977AD35B3D}" type="datetimeFigureOut">
               <a:rPr lang="ru-RU" smtClean="0"/>
-              <a:t>12.11.2009</a:t>
+              <a:t>24.03.2017</a:t>
             </a:fld>
             <a:endParaRPr lang="ru-RU"/>
           </a:p>
@@ -1942,7 +1856,7 @@
       </p:sp>
       <p:sp>
         <p:nvSpPr>
-          <p:cNvPr id="3" name="Нижний колонтитул 2"/>
+          <p:cNvPr id="3" name="Footer Placeholder 2"/>
           <p:cNvSpPr>
             <a:spLocks noGrp="1"/>
           </p:cNvSpPr>
@@ -1961,7 +1875,7 @@
       </p:sp>
       <p:sp>
         <p:nvSpPr>
-          <p:cNvPr id="4" name="Номер слайда 3"/>
+          <p:cNvPr id="4" name="Slide Number Placeholder 3"/>
           <p:cNvSpPr>
             <a:spLocks noGrp="1"/>
           </p:cNvSpPr>
@@ -2009,7 +1923,7 @@
       </p:grpSpPr>
       <p:sp>
         <p:nvSpPr>
-          <p:cNvPr id="2" name="Заголовок 1"/>
+          <p:cNvPr id="2" name="Title 1"/>
           <p:cNvSpPr>
             <a:spLocks noGrp="1"/>
           </p:cNvSpPr>
@@ -2019,15 +1933,17 @@
         </p:nvSpPr>
         <p:spPr>
           <a:xfrm>
-            <a:off x="457200" y="273050"/>
-            <a:ext cx="3008313" cy="1162050"/>
+            <a:off x="914400" y="1825362"/>
+            <a:ext cx="2950936" cy="2173015"/>
           </a:xfrm>
         </p:spPr>
         <p:txBody>
-          <a:bodyPr anchor="b"/>
+          <a:bodyPr anchor="b">
+            <a:normAutofit/>
+          </a:bodyPr>
           <a:lstStyle>
             <a:lvl1pPr algn="l">
-              <a:defRPr sz="2000" b="1"/>
+              <a:defRPr sz="2800" b="0"/>
             </a:lvl1pPr>
           </a:lstStyle>
           <a:p>
@@ -2035,13 +1951,13 @@
               <a:rPr lang="ru-RU" smtClean="0"/>
               <a:t>Образец заголовка</a:t>
             </a:r>
-            <a:endParaRPr lang="ru-RU"/>
-          </a:p>
-        </p:txBody>
-      </p:sp>
-      <p:sp>
-        <p:nvSpPr>
-          <p:cNvPr id="3" name="Содержимое 2"/>
+            <a:endParaRPr lang="en-US" dirty="0"/>
+          </a:p>
+        </p:txBody>
+      </p:sp>
+      <p:sp>
+        <p:nvSpPr>
+          <p:cNvPr id="3" name="Content Placeholder 2"/>
           <p:cNvSpPr>
             <a:spLocks noGrp="1"/>
           </p:cNvSpPr>
@@ -2051,27 +1967,27 @@
         </p:nvSpPr>
         <p:spPr>
           <a:xfrm>
-            <a:off x="3575050" y="273050"/>
-            <a:ext cx="5111750" cy="5853113"/>
+            <a:off x="4021752" y="1826709"/>
+            <a:ext cx="4207848" cy="4476614"/>
           </a:xfrm>
         </p:spPr>
         <p:txBody>
-          <a:bodyPr/>
+          <a:bodyPr anchor="ctr"/>
           <a:lstStyle>
             <a:lvl1pPr>
-              <a:defRPr sz="3200"/>
+              <a:defRPr sz="2000"/>
             </a:lvl1pPr>
             <a:lvl2pPr>
-              <a:defRPr sz="2800"/>
+              <a:defRPr sz="1800"/>
             </a:lvl2pPr>
             <a:lvl3pPr>
-              <a:defRPr sz="2400"/>
+              <a:defRPr sz="1600"/>
             </a:lvl3pPr>
             <a:lvl4pPr>
-              <a:defRPr sz="2000"/>
+              <a:defRPr sz="1400"/>
             </a:lvl4pPr>
             <a:lvl5pPr>
-              <a:defRPr sz="2000"/>
+              <a:defRPr sz="1400"/>
             </a:lvl5pPr>
             <a:lvl6pPr>
               <a:defRPr sz="2000"/>
@@ -2120,13 +2036,13 @@
               <a:rPr lang="ru-RU" smtClean="0"/>
               <a:t>Пятый уровень</a:t>
             </a:r>
-            <a:endParaRPr lang="ru-RU"/>
-          </a:p>
-        </p:txBody>
-      </p:sp>
-      <p:sp>
-        <p:nvSpPr>
-          <p:cNvPr id="4" name="Текст 3"/>
+            <a:endParaRPr lang="en-US" dirty="0"/>
+          </a:p>
+        </p:txBody>
+      </p:sp>
+      <p:sp>
+        <p:nvSpPr>
+          <p:cNvPr id="4" name="Text Placeholder 3"/>
           <p:cNvSpPr>
             <a:spLocks noGrp="1"/>
           </p:cNvSpPr>
@@ -2136,8 +2052,8 @@
         </p:nvSpPr>
         <p:spPr>
           <a:xfrm>
-            <a:off x="457200" y="1435100"/>
-            <a:ext cx="3008313" cy="4691063"/>
+            <a:off x="914400" y="4061095"/>
+            <a:ext cx="2950936" cy="2245387"/>
           </a:xfrm>
         </p:spPr>
         <p:txBody>
@@ -2191,7 +2107,7 @@
       </p:sp>
       <p:sp>
         <p:nvSpPr>
-          <p:cNvPr id="5" name="Дата 4"/>
+          <p:cNvPr id="5" name="Date Placeholder 4"/>
           <p:cNvSpPr>
             <a:spLocks noGrp="1"/>
           </p:cNvSpPr>
@@ -2206,7 +2122,7 @@
           <a:p>
             <a:fld id="{B4C71EC6-210F-42DE-9C53-41977AD35B3D}" type="datetimeFigureOut">
               <a:rPr lang="ru-RU" smtClean="0"/>
-              <a:t>12.11.2009</a:t>
+              <a:t>24.03.2017</a:t>
             </a:fld>
             <a:endParaRPr lang="ru-RU"/>
           </a:p>
@@ -2214,7 +2130,7 @@
       </p:sp>
       <p:sp>
         <p:nvSpPr>
-          <p:cNvPr id="6" name="Нижний колонтитул 5"/>
+          <p:cNvPr id="6" name="Footer Placeholder 5"/>
           <p:cNvSpPr>
             <a:spLocks noGrp="1"/>
           </p:cNvSpPr>
@@ -2233,7 +2149,7 @@
       </p:sp>
       <p:sp>
         <p:nvSpPr>
-          <p:cNvPr id="7" name="Номер слайда 6"/>
+          <p:cNvPr id="7" name="Slide Number Placeholder 6"/>
           <p:cNvSpPr>
             <a:spLocks noGrp="1"/>
           </p:cNvSpPr>
@@ -2281,7 +2197,7 @@
       </p:grpSpPr>
       <p:sp>
         <p:nvSpPr>
-          <p:cNvPr id="2" name="Заголовок 1"/>
+          <p:cNvPr id="2" name="Title 1"/>
           <p:cNvSpPr>
             <a:spLocks noGrp="1"/>
           </p:cNvSpPr>
@@ -2291,15 +2207,17 @@
         </p:nvSpPr>
         <p:spPr>
           <a:xfrm>
-            <a:off x="1792288" y="4800600"/>
-            <a:ext cx="5486400" cy="566738"/>
+            <a:off x="914400" y="1828800"/>
+            <a:ext cx="2953512" cy="2176272"/>
           </a:xfrm>
         </p:spPr>
         <p:txBody>
-          <a:bodyPr anchor="b"/>
+          <a:bodyPr anchor="b">
+            <a:normAutofit/>
+          </a:bodyPr>
           <a:lstStyle>
             <a:lvl1pPr algn="l">
-              <a:defRPr sz="2000" b="1"/>
+              <a:defRPr sz="2800" b="0"/>
             </a:lvl1pPr>
           </a:lstStyle>
           <a:p>
@@ -2307,13 +2225,13 @@
               <a:rPr lang="ru-RU" smtClean="0"/>
               <a:t>Образец заголовка</a:t>
             </a:r>
-            <a:endParaRPr lang="ru-RU"/>
-          </a:p>
-        </p:txBody>
-      </p:sp>
-      <p:sp>
-        <p:nvSpPr>
-          <p:cNvPr id="3" name="Рисунок 2"/>
+            <a:endParaRPr lang="en-US" dirty="0"/>
+          </a:p>
+        </p:txBody>
+      </p:sp>
+      <p:sp>
+        <p:nvSpPr>
+          <p:cNvPr id="3" name="Picture Placeholder 2"/>
           <p:cNvSpPr>
             <a:spLocks noGrp="1"/>
           </p:cNvSpPr>
@@ -2323,9 +2241,27 @@
         </p:nvSpPr>
         <p:spPr>
           <a:xfrm>
-            <a:off x="1792288" y="612775"/>
-            <a:ext cx="5486400" cy="4114800"/>
+            <a:off x="4191000" y="2286000"/>
+            <a:ext cx="4038600" cy="3352800"/>
           </a:xfrm>
+          <a:solidFill>
+            <a:schemeClr val="accent2"/>
+          </a:solidFill>
+          <a:ln w="12700">
+            <a:noFill/>
+          </a:ln>
+          <a:effectLst>
+            <a:reflection blurRad="12700" stA="30000" endPos="30000" dist="31750" dir="5400000" sy="-100000" algn="bl" rotWithShape="0"/>
+          </a:effectLst>
+          <a:scene3d>
+            <a:camera prst="perspectiveRight" fov="2700000">
+              <a:rot lat="240000" lon="900000" rev="0"/>
+            </a:camera>
+            <a:lightRig rig="threePt" dir="t">
+              <a:rot lat="0" lon="0" rev="2700000"/>
+            </a:lightRig>
+          </a:scene3d>
+          <a:sp3d/>
         </p:spPr>
         <p:txBody>
           <a:bodyPr/>
@@ -2368,13 +2304,17 @@
             </a:lvl9pPr>
           </a:lstStyle>
           <a:p>
-            <a:endParaRPr lang="ru-RU"/>
-          </a:p>
-        </p:txBody>
-      </p:sp>
-      <p:sp>
-        <p:nvSpPr>
-          <p:cNvPr id="4" name="Текст 3"/>
+            <a:r>
+              <a:rPr lang="ru-RU" smtClean="0"/>
+              <a:t>Вставка рисунка</a:t>
+            </a:r>
+            <a:endParaRPr lang="en-US" dirty="0"/>
+          </a:p>
+        </p:txBody>
+      </p:sp>
+      <p:sp>
+        <p:nvSpPr>
+          <p:cNvPr id="4" name="Text Placeholder 3"/>
           <p:cNvSpPr>
             <a:spLocks noGrp="1"/>
           </p:cNvSpPr>
@@ -2384,8 +2324,8 @@
         </p:nvSpPr>
         <p:spPr>
           <a:xfrm>
-            <a:off x="1792288" y="5367338"/>
-            <a:ext cx="5486400" cy="804862"/>
+            <a:off x="914400" y="4059936"/>
+            <a:ext cx="2953512" cy="2249424"/>
           </a:xfrm>
         </p:spPr>
         <p:txBody>
@@ -2439,7 +2379,7 @@
       </p:sp>
       <p:sp>
         <p:nvSpPr>
-          <p:cNvPr id="5" name="Дата 4"/>
+          <p:cNvPr id="5" name="Date Placeholder 4"/>
           <p:cNvSpPr>
             <a:spLocks noGrp="1"/>
           </p:cNvSpPr>
@@ -2454,7 +2394,7 @@
           <a:p>
             <a:fld id="{B4C71EC6-210F-42DE-9C53-41977AD35B3D}" type="datetimeFigureOut">
               <a:rPr lang="ru-RU" smtClean="0"/>
-              <a:t>12.11.2009</a:t>
+              <a:t>24.03.2017</a:t>
             </a:fld>
             <a:endParaRPr lang="ru-RU"/>
           </a:p>
@@ -2462,7 +2402,7 @@
       </p:sp>
       <p:sp>
         <p:nvSpPr>
-          <p:cNvPr id="6" name="Нижний колонтитул 5"/>
+          <p:cNvPr id="6" name="Footer Placeholder 5"/>
           <p:cNvSpPr>
             <a:spLocks noGrp="1"/>
           </p:cNvSpPr>
@@ -2481,7 +2421,7 @@
       </p:sp>
       <p:sp>
         <p:nvSpPr>
-          <p:cNvPr id="7" name="Номер слайда 6"/>
+          <p:cNvPr id="7" name="Slide Number Placeholder 6"/>
           <p:cNvSpPr>
             <a:spLocks noGrp="1"/>
           </p:cNvSpPr>
@@ -2514,8 +2454,8 @@
 <p:sldMaster xmlns:a="http://schemas.openxmlformats.org/drawingml/2006/main" xmlns:r="http://schemas.openxmlformats.org/officeDocument/2006/relationships" xmlns:p="http://schemas.openxmlformats.org/presentationml/2006/main">
   <p:cSld>
     <p:bg>
-      <p:bgRef idx="1001">
-        <a:schemeClr val="bg1"/>
+      <p:bgRef idx="1002">
+        <a:schemeClr val="bg2"/>
       </p:bgRef>
     </p:bg>
     <p:spTree>
@@ -2534,25 +2474,117 @@
       </p:grpSpPr>
       <p:sp>
         <p:nvSpPr>
-          <p:cNvPr id="2" name="Заголовок 1"/>
-          <p:cNvSpPr>
-            <a:spLocks noGrp="1"/>
-          </p:cNvSpPr>
-          <p:nvPr>
-            <p:ph type="title"/>
-          </p:nvPr>
+          <p:cNvPr id="10" name="Rectangle 9"/>
+          <p:cNvSpPr/>
+          <p:nvPr/>
         </p:nvSpPr>
         <p:spPr>
           <a:xfrm>
-            <a:off x="457200" y="274638"/>
-            <a:ext cx="8229600" cy="1143000"/>
+            <a:off x="8435268" y="573807"/>
+            <a:ext cx="86236" cy="572316"/>
+          </a:xfrm>
+          <a:prstGeom prst="rect">
+            <a:avLst/>
+          </a:prstGeom>
+          <a:solidFill>
+            <a:schemeClr val="tx2"/>
+          </a:solidFill>
+          <a:ln>
+            <a:noFill/>
+          </a:ln>
+        </p:spPr>
+        <p:style>
+          <a:lnRef idx="2">
+            <a:schemeClr val="accent1">
+              <a:shade val="50000"/>
+            </a:schemeClr>
+          </a:lnRef>
+          <a:fillRef idx="1">
+            <a:schemeClr val="accent1"/>
+          </a:fillRef>
+          <a:effectRef idx="0">
+            <a:schemeClr val="accent1"/>
+          </a:effectRef>
+          <a:fontRef idx="minor">
+            <a:schemeClr val="lt1"/>
+          </a:fontRef>
+        </p:style>
+        <p:txBody>
+          <a:bodyPr rtlCol="0" anchor="ctr"/>
+          <a:lstStyle/>
+          <a:p>
+            <a:pPr algn="ctr"/>
+            <a:endParaRPr lang="en-US"/>
+          </a:p>
+        </p:txBody>
+      </p:sp>
+      <p:sp>
+        <p:nvSpPr>
+          <p:cNvPr id="11" name="Rectangle 10"/>
+          <p:cNvSpPr/>
+          <p:nvPr/>
+        </p:nvSpPr>
+        <p:spPr>
+          <a:xfrm>
+            <a:off x="8569419" y="573807"/>
+            <a:ext cx="576072" cy="572316"/>
+          </a:xfrm>
+          <a:prstGeom prst="rect">
+            <a:avLst/>
+          </a:prstGeom>
+          <a:solidFill>
+            <a:schemeClr val="tx2"/>
+          </a:solidFill>
+          <a:ln>
+            <a:noFill/>
+          </a:ln>
+        </p:spPr>
+        <p:style>
+          <a:lnRef idx="2">
+            <a:schemeClr val="accent1">
+              <a:shade val="50000"/>
+            </a:schemeClr>
+          </a:lnRef>
+          <a:fillRef idx="1">
+            <a:schemeClr val="accent1"/>
+          </a:fillRef>
+          <a:effectRef idx="0">
+            <a:schemeClr val="accent1"/>
+          </a:effectRef>
+          <a:fontRef idx="minor">
+            <a:schemeClr val="lt1"/>
+          </a:fontRef>
+        </p:style>
+        <p:txBody>
+          <a:bodyPr rtlCol="0" anchor="ctr"/>
+          <a:lstStyle/>
+          <a:p>
+            <a:pPr algn="ctr"/>
+            <a:endParaRPr lang="en-US"/>
+          </a:p>
+        </p:txBody>
+      </p:sp>
+      <p:sp>
+        <p:nvSpPr>
+          <p:cNvPr id="2" name="Title Placeholder 1"/>
+          <p:cNvSpPr>
+            <a:spLocks noGrp="1"/>
+          </p:cNvSpPr>
+          <p:nvPr>
+            <p:ph type="title"/>
+          </p:nvPr>
+        </p:nvSpPr>
+        <p:spPr>
+          <a:xfrm>
+            <a:off x="914400" y="1544715"/>
+            <a:ext cx="7315200" cy="1154097"/>
           </a:xfrm>
           <a:prstGeom prst="rect">
             <a:avLst/>
           </a:prstGeom>
         </p:spPr>
         <p:txBody>
-          <a:bodyPr vert="horz" lIns="91440" tIns="45720" rIns="91440" bIns="45720" rtlCol="0" anchor="ctr">
+          <a:bodyPr vert="horz" lIns="91440" tIns="45720" rIns="91440" bIns="45720" rtlCol="0" anchor="b">
             <a:normAutofit/>
           </a:bodyPr>
           <a:lstStyle/>
@@ -2561,13 +2593,13 @@
               <a:rPr lang="ru-RU" smtClean="0"/>
               <a:t>Образец заголовка</a:t>
             </a:r>
-            <a:endParaRPr lang="ru-RU"/>
-          </a:p>
-        </p:txBody>
-      </p:sp>
-      <p:sp>
-        <p:nvSpPr>
-          <p:cNvPr id="3" name="Текст 2"/>
+            <a:endParaRPr lang="en-US" dirty="0"/>
+          </a:p>
+        </p:txBody>
+      </p:sp>
+      <p:sp>
+        <p:nvSpPr>
+          <p:cNvPr id="3" name="Text Placeholder 2"/>
           <p:cNvSpPr>
             <a:spLocks noGrp="1"/>
           </p:cNvSpPr>
@@ -2577,8 +2609,8 @@
         </p:nvSpPr>
         <p:spPr>
           <a:xfrm>
-            <a:off x="457200" y="1600200"/>
-            <a:ext cx="8229600" cy="4525963"/>
+            <a:off x="914400" y="2769833"/>
+            <a:ext cx="7315200" cy="3539527"/>
           </a:xfrm>
           <a:prstGeom prst="rect">
             <a:avLst/>
@@ -2623,13 +2655,13 @@
               <a:rPr lang="ru-RU" smtClean="0"/>
               <a:t>Пятый уровень</a:t>
             </a:r>
-            <a:endParaRPr lang="ru-RU"/>
-          </a:p>
-        </p:txBody>
-      </p:sp>
-      <p:sp>
-        <p:nvSpPr>
-          <p:cNvPr id="4" name="Дата 3"/>
+            <a:endParaRPr lang="en-US" dirty="0" smtClean="0"/>
+          </a:p>
+        </p:txBody>
+      </p:sp>
+      <p:sp>
+        <p:nvSpPr>
+          <p:cNvPr id="4" name="Date Placeholder 3"/>
           <p:cNvSpPr>
             <a:spLocks noGrp="1"/>
           </p:cNvSpPr>
@@ -2639,8 +2671,8 @@
         </p:nvSpPr>
         <p:spPr>
           <a:xfrm>
-            <a:off x="457200" y="6356350"/>
-            <a:ext cx="2133600" cy="365125"/>
+            <a:off x="6007690" y="548797"/>
+            <a:ext cx="1189132" cy="297918"/>
           </a:xfrm>
           <a:prstGeom prst="rect">
             <a:avLst/>
@@ -2653,7 +2685,7 @@
               <a:defRPr sz="1200">
                 <a:solidFill>
                   <a:schemeClr val="tx1">
-                    <a:tint val="75000"/>
+                    <a:alpha val="50000"/>
                   </a:schemeClr>
                 </a:solidFill>
               </a:defRPr>
@@ -2662,7 +2694,7 @@
           <a:p>
             <a:fld id="{B4C71EC6-210F-42DE-9C53-41977AD35B3D}" type="datetimeFigureOut">
               <a:rPr lang="ru-RU" smtClean="0"/>
-              <a:t>12.11.2009</a:t>
+              <a:t>24.03.2017</a:t>
             </a:fld>
             <a:endParaRPr lang="ru-RU"/>
           </a:p>
@@ -2670,18 +2702,18 @@
       </p:sp>
       <p:sp>
         <p:nvSpPr>
-          <p:cNvPr id="5" name="Нижний колонтитул 4"/>
-          <p:cNvSpPr>
-            <a:spLocks noGrp="1"/>
-          </p:cNvSpPr>
-          <p:nvPr>
-            <p:ph type="ftr" sz="quarter" idx="3"/>
+          <p:cNvPr id="6" name="Slide Number Placeholder 5"/>
+          <p:cNvSpPr>
+            <a:spLocks noGrp="1"/>
+          </p:cNvSpPr>
+          <p:nvPr>
+            <p:ph type="sldNum" sz="quarter" idx="4"/>
           </p:nvPr>
         </p:nvSpPr>
         <p:spPr>
           <a:xfrm>
-            <a:off x="3124200" y="6356350"/>
-            <a:ext cx="2895600" cy="365125"/>
+            <a:off x="7314415" y="548797"/>
+            <a:ext cx="941203" cy="301752"/>
           </a:xfrm>
           <a:prstGeom prst="rect">
             <a:avLst/>
@@ -2690,103 +2722,158 @@
         <p:txBody>
           <a:bodyPr vert="horz" lIns="91440" tIns="45720" rIns="91440" bIns="45720" rtlCol="0" anchor="ctr"/>
           <a:lstStyle>
-            <a:lvl1pPr algn="ctr">
+            <a:lvl1pPr algn="r">
               <a:defRPr sz="1200">
                 <a:solidFill>
-                  <a:schemeClr val="tx1">
-                    <a:tint val="75000"/>
-                  </a:schemeClr>
+                  <a:schemeClr val="tx1"/>
                 </a:solidFill>
               </a:defRPr>
             </a:lvl1pPr>
           </a:lstStyle>
           <a:p>
+            <a:fld id="{B19B0651-EE4F-4900-A07F-96A6BFA9D0F0}" type="slidenum">
+              <a:rPr lang="ru-RU" smtClean="0"/>
+              <a:t>‹#›</a:t>
+            </a:fld>
             <a:endParaRPr lang="ru-RU"/>
           </a:p>
         </p:txBody>
       </p:sp>
       <p:sp>
         <p:nvSpPr>
-          <p:cNvPr id="6" name="Номер слайда 5"/>
-          <p:cNvSpPr>
-            <a:spLocks noGrp="1"/>
-          </p:cNvSpPr>
-          <p:nvPr>
-            <p:ph type="sldNum" sz="quarter" idx="4"/>
+          <p:cNvPr id="5" name="Footer Placeholder 4"/>
+          <p:cNvSpPr>
+            <a:spLocks noGrp="1"/>
+          </p:cNvSpPr>
+          <p:nvPr>
+            <p:ph type="ftr" sz="quarter" idx="3"/>
           </p:nvPr>
         </p:nvSpPr>
         <p:spPr>
           <a:xfrm>
-            <a:off x="6553200" y="6356350"/>
-            <a:ext cx="2133600" cy="365125"/>
+            <a:off x="6008688" y="855956"/>
+            <a:ext cx="2246489" cy="301227"/>
           </a:xfrm>
           <a:prstGeom prst="rect">
             <a:avLst/>
           </a:prstGeom>
         </p:spPr>
         <p:txBody>
-          <a:bodyPr vert="horz" lIns="91440" tIns="45720" rIns="91440" bIns="45720" rtlCol="0" anchor="ctr"/>
+          <a:bodyPr vert="horz" lIns="91440" tIns="0" rIns="91440" bIns="45720" rtlCol="0" anchor="t"/>
           <a:lstStyle>
-            <a:lvl1pPr algn="r">
-              <a:defRPr sz="1200">
+            <a:lvl1pPr algn="l">
+              <a:defRPr sz="1000">
                 <a:solidFill>
-                  <a:schemeClr val="tx1">
-                    <a:tint val="75000"/>
-                  </a:schemeClr>
+                  <a:schemeClr val="tx1"/>
                 </a:solidFill>
               </a:defRPr>
             </a:lvl1pPr>
           </a:lstStyle>
           <a:p>
-            <a:fld id="{B19B0651-EE4F-4900-A07F-96A6BFA9D0F0}" type="slidenum">
-              <a:rPr lang="ru-RU" smtClean="0"/>
-              <a:t>‹#›</a:t>
-            </a:fld>
             <a:endParaRPr lang="ru-RU"/>
           </a:p>
         </p:txBody>
       </p:sp>
     </p:spTree>
   </p:cSld>
-  <p:clrMap bg1="lt1" tx1="dk1" bg2="lt2" tx2="dk2" accent1="accent1" accent2="accent2" accent3="accent3" accent4="accent4" accent5="accent5" accent6="accent6" hlink="hlink" folHlink="folHlink"/>
+  <p:clrMap bg1="dk1" tx1="lt1" bg2="dk2" tx2="lt2" accent1="accent1" accent2="accent2" accent3="accent3" accent4="accent4" accent5="accent5" accent6="accent6" hlink="hlink" folHlink="folHlink"/>
   <p:sldLayoutIdLst>
-    <p:sldLayoutId id="2147483649" r:id="rId1"/>
-    <p:sldLayoutId id="2147483650" r:id="rId2"/>
-    <p:sldLayoutId id="2147483651" r:id="rId3"/>
-    <p:sldLayoutId id="2147483652" r:id="rId4"/>
-    <p:sldLayoutId id="2147483653" r:id="rId5"/>
-    <p:sldLayoutId id="2147483654" r:id="rId6"/>
-    <p:sldLayoutId id="2147483655" r:id="rId7"/>
-    <p:sldLayoutId id="2147483656" r:id="rId8"/>
-    <p:sldLayoutId id="2147483657" r:id="rId9"/>
-    <p:sldLayoutId id="2147483658" r:id="rId10"/>
-    <p:sldLayoutId id="2147483659" r:id="rId11"/>
+    <p:sldLayoutId id="2147483709" r:id="rId1"/>
+    <p:sldLayoutId id="2147483710" r:id="rId2"/>
+    <p:sldLayoutId id="2147483711" r:id="rId3"/>
+    <p:sldLayoutId id="2147483712" r:id="rId4"/>
+    <p:sldLayoutId id="2147483713" r:id="rId5"/>
+    <p:sldLayoutId id="2147483714" r:id="rId6"/>
+    <p:sldLayoutId id="2147483715" r:id="rId7"/>
+    <p:sldLayoutId id="2147483716" r:id="rId8"/>
+    <p:sldLayoutId id="2147483717" r:id="rId9"/>
+    <p:sldLayoutId id="2147483718" r:id="rId10"/>
+    <p:sldLayoutId id="2147483719" r:id="rId11"/>
   </p:sldLayoutIdLst>
   <p:txStyles>
     <p:titleStyle>
-      <a:lvl1pPr algn="ctr" defTabSz="914400" rtl="0" eaLnBrk="1" latinLnBrk="0" hangingPunct="1">
+      <a:lvl1pPr algn="l" defTabSz="914400" rtl="0" eaLnBrk="1" latinLnBrk="0" hangingPunct="1">
         <a:spcBef>
           <a:spcPct val="0"/>
         </a:spcBef>
         <a:buNone/>
-        <a:defRPr sz="4400" kern="1200">
+        <a:defRPr sz="4000" kern="1200">
           <a:solidFill>
-            <a:schemeClr val="tx1"/>
+            <a:schemeClr val="tx2"/>
           </a:solidFill>
           <a:latin typeface="+mj-lt"/>
           <a:ea typeface="+mj-ea"/>
           <a:cs typeface="+mj-cs"/>
         </a:defRPr>
       </a:lvl1pPr>
+      <a:lvl2pPr eaLnBrk="1" hangingPunct="1">
+        <a:defRPr>
+          <a:solidFill>
+            <a:schemeClr val="tx2"/>
+          </a:solidFill>
+        </a:defRPr>
+      </a:lvl2pPr>
+      <a:lvl3pPr eaLnBrk="1" hangingPunct="1">
+        <a:defRPr>
+          <a:solidFill>
+            <a:schemeClr val="tx2"/>
+          </a:solidFill>
+        </a:defRPr>
+      </a:lvl3pPr>
+      <a:lvl4pPr eaLnBrk="1" hangingPunct="1">
+        <a:defRPr>
+          <a:solidFill>
+            <a:schemeClr val="tx2"/>
+          </a:solidFill>
+        </a:defRPr>
+      </a:lvl4pPr>
+      <a:lvl5pPr eaLnBrk="1" hangingPunct="1">
+        <a:defRPr>
+          <a:solidFill>
+            <a:schemeClr val="tx2"/>
+          </a:solidFill>
+        </a:defRPr>
+      </a:lvl5pPr>
+      <a:lvl6pPr eaLnBrk="1" hangingPunct="1">
+        <a:defRPr>
+          <a:solidFill>
+            <a:schemeClr val="tx2"/>
+          </a:solidFill>
+        </a:defRPr>
+      </a:lvl6pPr>
+      <a:lvl7pPr eaLnBrk="1" hangingPunct="1">
+        <a:defRPr>
+          <a:solidFill>
+            <a:schemeClr val="tx2"/>
+          </a:solidFill>
+        </a:defRPr>
+      </a:lvl7pPr>
+      <a:lvl8pPr eaLnBrk="1" hangingPunct="1">
+        <a:defRPr>
+          <a:solidFill>
+            <a:schemeClr val="tx2"/>
+          </a:solidFill>
+        </a:defRPr>
+      </a:lvl8pPr>
+      <a:lvl9pPr eaLnBrk="1" hangingPunct="1">
+        <a:defRPr>
+          <a:solidFill>
+            <a:schemeClr val="tx2"/>
+          </a:solidFill>
+        </a:defRPr>
+      </a:lvl9pPr>
     </p:titleStyle>
     <p:bodyStyle>
-      <a:lvl1pPr marL="342900" indent="-342900" algn="l" defTabSz="914400" rtl="0" eaLnBrk="1" latinLnBrk="0" hangingPunct="1">
+      <a:lvl1pPr marL="228600" indent="-182880" algn="l" defTabSz="914400" rtl="0" eaLnBrk="1" latinLnBrk="0" hangingPunct="1">
         <a:spcBef>
           <a:spcPct val="20000"/>
         </a:spcBef>
-        <a:buFont typeface="Arial" pitchFamily="34" charset="0"/>
-        <a:buChar char="•"/>
-        <a:defRPr sz="3200" kern="1200">
+        <a:buClr>
+          <a:schemeClr val="tx2"/>
+        </a:buClr>
+        <a:buFont typeface="Wingdings" charset="2"/>
+        <a:buChar char="§"/>
+        <a:defRPr sz="2000" kern="1200">
           <a:solidFill>
             <a:schemeClr val="tx1"/>
           </a:solidFill>
@@ -2795,13 +2882,16 @@
           <a:cs typeface="+mn-cs"/>
         </a:defRPr>
       </a:lvl1pPr>
-      <a:lvl2pPr marL="742950" indent="-285750" algn="l" defTabSz="914400" rtl="0" eaLnBrk="1" latinLnBrk="0" hangingPunct="1">
+      <a:lvl2pPr marL="502920" indent="-182880" algn="l" defTabSz="914400" rtl="0" eaLnBrk="1" latinLnBrk="0" hangingPunct="1">
         <a:spcBef>
           <a:spcPct val="20000"/>
         </a:spcBef>
-        <a:buFont typeface="Arial" pitchFamily="34" charset="0"/>
-        <a:buChar char="–"/>
-        <a:defRPr sz="2800" kern="1200">
+        <a:buClr>
+          <a:schemeClr val="tx2"/>
+        </a:buClr>
+        <a:buFont typeface="Wingdings" charset="2"/>
+        <a:buChar char="§"/>
+        <a:defRPr sz="1800" kern="1200">
           <a:solidFill>
             <a:schemeClr val="tx1"/>
           </a:solidFill>
@@ -2810,13 +2900,16 @@
           <a:cs typeface="+mn-cs"/>
         </a:defRPr>
       </a:lvl2pPr>
-      <a:lvl3pPr marL="1143000" indent="-228600" algn="l" defTabSz="914400" rtl="0" eaLnBrk="1" latinLnBrk="0" hangingPunct="1">
+      <a:lvl3pPr marL="685800" indent="-182880" algn="l" defTabSz="914400" rtl="0" eaLnBrk="1" latinLnBrk="0" hangingPunct="1">
         <a:spcBef>
           <a:spcPct val="20000"/>
         </a:spcBef>
-        <a:buFont typeface="Arial" pitchFamily="34" charset="0"/>
-        <a:buChar char="•"/>
-        <a:defRPr sz="2400" kern="1200">
+        <a:buClr>
+          <a:schemeClr val="tx2"/>
+        </a:buClr>
+        <a:buFont typeface="Wingdings" charset="2"/>
+        <a:buChar char="§"/>
+        <a:defRPr sz="1600" kern="1200">
           <a:solidFill>
             <a:schemeClr val="tx1"/>
           </a:solidFill>
@@ -2825,13 +2918,16 @@
           <a:cs typeface="+mn-cs"/>
         </a:defRPr>
       </a:lvl3pPr>
-      <a:lvl4pPr marL="1600200" indent="-228600" algn="l" defTabSz="914400" rtl="0" eaLnBrk="1" latinLnBrk="0" hangingPunct="1">
+      <a:lvl4pPr marL="914400" indent="-182880" algn="l" defTabSz="914400" rtl="0" eaLnBrk="1" latinLnBrk="0" hangingPunct="1">
         <a:spcBef>
           <a:spcPct val="20000"/>
         </a:spcBef>
-        <a:buFont typeface="Arial" pitchFamily="34" charset="0"/>
-        <a:buChar char="–"/>
-        <a:defRPr sz="2000" kern="1200">
+        <a:buClr>
+          <a:schemeClr val="tx2"/>
+        </a:buClr>
+        <a:buFont typeface="Wingdings" charset="2"/>
+        <a:buChar char="§"/>
+        <a:defRPr sz="1400" kern="1200">
           <a:solidFill>
             <a:schemeClr val="tx1"/>
           </a:solidFill>
@@ -2840,13 +2936,16 @@
           <a:cs typeface="+mn-cs"/>
         </a:defRPr>
       </a:lvl4pPr>
-      <a:lvl5pPr marL="2057400" indent="-228600" algn="l" defTabSz="914400" rtl="0" eaLnBrk="1" latinLnBrk="0" hangingPunct="1">
+      <a:lvl5pPr marL="1143000" indent="-182880" algn="l" defTabSz="914400" rtl="0" eaLnBrk="1" latinLnBrk="0" hangingPunct="1">
         <a:spcBef>
           <a:spcPct val="20000"/>
         </a:spcBef>
-        <a:buFont typeface="Arial" pitchFamily="34" charset="0"/>
-        <a:buChar char="»"/>
-        <a:defRPr sz="2000" kern="1200">
+        <a:buClr>
+          <a:schemeClr val="tx2"/>
+        </a:buClr>
+        <a:buFont typeface="Wingdings" charset="2"/>
+        <a:buChar char="§"/>
+        <a:defRPr sz="1400" kern="1200">
           <a:solidFill>
             <a:schemeClr val="tx1"/>
           </a:solidFill>
@@ -2855,13 +2954,16 @@
           <a:cs typeface="+mn-cs"/>
         </a:defRPr>
       </a:lvl5pPr>
-      <a:lvl6pPr marL="2514600" indent="-228600" algn="l" defTabSz="914400" rtl="0" eaLnBrk="1" latinLnBrk="0" hangingPunct="1">
+      <a:lvl6pPr marL="1371600" indent="-182880" algn="l" defTabSz="914400" rtl="0" eaLnBrk="1" latinLnBrk="0" hangingPunct="1">
         <a:spcBef>
           <a:spcPct val="20000"/>
         </a:spcBef>
-        <a:buFont typeface="Arial" pitchFamily="34" charset="0"/>
-        <a:buChar char="•"/>
-        <a:defRPr sz="2000" kern="1200">
+        <a:buClr>
+          <a:schemeClr val="tx2"/>
+        </a:buClr>
+        <a:buFont typeface="Wingdings" pitchFamily="2" charset="2"/>
+        <a:buChar char="§"/>
+        <a:defRPr sz="1400" kern="1200">
           <a:solidFill>
             <a:schemeClr val="tx1"/>
           </a:solidFill>
@@ -2870,13 +2972,16 @@
           <a:cs typeface="+mn-cs"/>
         </a:defRPr>
       </a:lvl6pPr>
-      <a:lvl7pPr marL="2971800" indent="-228600" algn="l" defTabSz="914400" rtl="0" eaLnBrk="1" latinLnBrk="0" hangingPunct="1">
+      <a:lvl7pPr marL="1600200" indent="-182880" algn="l" defTabSz="914400" rtl="0" eaLnBrk="1" latinLnBrk="0" hangingPunct="1">
         <a:spcBef>
           <a:spcPct val="20000"/>
         </a:spcBef>
-        <a:buFont typeface="Arial" pitchFamily="34" charset="0"/>
-        <a:buChar char="•"/>
-        <a:defRPr sz="2000" kern="1200">
+        <a:buClr>
+          <a:schemeClr val="tx2"/>
+        </a:buClr>
+        <a:buFont typeface="Wingdings" pitchFamily="2" charset="2"/>
+        <a:buChar char="§"/>
+        <a:defRPr sz="1400" kern="1200">
           <a:solidFill>
             <a:schemeClr val="tx1"/>
           </a:solidFill>
@@ -2885,13 +2990,16 @@
           <a:cs typeface="+mn-cs"/>
         </a:defRPr>
       </a:lvl7pPr>
-      <a:lvl8pPr marL="3429000" indent="-228600" algn="l" defTabSz="914400" rtl="0" eaLnBrk="1" latinLnBrk="0" hangingPunct="1">
+      <a:lvl8pPr marL="1828800" indent="-182880" algn="l" defTabSz="914400" rtl="0" eaLnBrk="1" latinLnBrk="0" hangingPunct="1">
         <a:spcBef>
           <a:spcPct val="20000"/>
         </a:spcBef>
-        <a:buFont typeface="Arial" pitchFamily="34" charset="0"/>
-        <a:buChar char="•"/>
-        <a:defRPr sz="2000" kern="1200">
+        <a:buClr>
+          <a:schemeClr val="tx2"/>
+        </a:buClr>
+        <a:buFont typeface="Wingdings" pitchFamily="2" charset="2"/>
+        <a:buChar char="§"/>
+        <a:defRPr sz="1400" kern="1200">
           <a:solidFill>
             <a:schemeClr val="tx1"/>
           </a:solidFill>
@@ -2900,13 +3008,16 @@
           <a:cs typeface="+mn-cs"/>
         </a:defRPr>
       </a:lvl8pPr>
-      <a:lvl9pPr marL="3886200" indent="-228600" algn="l" defTabSz="914400" rtl="0" eaLnBrk="1" latinLnBrk="0" hangingPunct="1">
+      <a:lvl9pPr marL="2057400" indent="-182880" algn="l" defTabSz="914400" rtl="0" eaLnBrk="1" latinLnBrk="0" hangingPunct="1">
         <a:spcBef>
           <a:spcPct val="20000"/>
         </a:spcBef>
-        <a:buFont typeface="Arial" pitchFamily="34" charset="0"/>
-        <a:buChar char="•"/>
-        <a:defRPr sz="2000" kern="1200">
+        <a:buClr>
+          <a:schemeClr val="tx2"/>
+        </a:buClr>
+        <a:buFont typeface="Wingdings" pitchFamily="2" charset="2"/>
+        <a:buChar char="§"/>
+        <a:defRPr sz="1400" kern="1200">
           <a:solidFill>
             <a:schemeClr val="tx1"/>
           </a:solidFill>
@@ -2918,7 +3029,7 @@
     </p:bodyStyle>
     <p:otherStyle>
       <a:defPPr>
-        <a:defRPr lang="ru-RU"/>
+        <a:defRPr lang="en-US"/>
       </a:defPPr>
       <a:lvl1pPr marL="0" algn="l" defTabSz="914400" rtl="0" eaLnBrk="1" latinLnBrk="0" hangingPunct="1">
         <a:defRPr sz="1800" kern="1200">
@@ -3015,10 +3126,310 @@
 </p:sldMaster>
 </file>
 
+<file path=ppt/slides/slide1.xml><?xml version="1.0" encoding="utf-8"?>
+<p:sld xmlns:a="http://schemas.openxmlformats.org/drawingml/2006/main" xmlns:r="http://schemas.openxmlformats.org/officeDocument/2006/relationships" xmlns:p="http://schemas.openxmlformats.org/presentationml/2006/main">
+  <p:cSld>
+    <p:spTree>
+      <p:nvGrpSpPr>
+        <p:cNvPr id="1" name=""/>
+        <p:cNvGrpSpPr/>
+        <p:nvPr/>
+      </p:nvGrpSpPr>
+      <p:grpSpPr>
+        <a:xfrm>
+          <a:off x="0" y="0"/>
+          <a:ext cx="0" cy="0"/>
+          <a:chOff x="0" y="0"/>
+          <a:chExt cx="0" cy="0"/>
+        </a:xfrm>
+      </p:grpSpPr>
+      <p:sp>
+        <p:nvSpPr>
+          <p:cNvPr id="2" name="Заголовок 1"/>
+          <p:cNvSpPr>
+            <a:spLocks noGrp="1"/>
+          </p:cNvSpPr>
+          <p:nvPr>
+            <p:ph type="ctrTitle"/>
+          </p:nvPr>
+        </p:nvSpPr>
+        <p:spPr>
+          <a:xfrm>
+            <a:off x="914400" y="0"/>
+            <a:ext cx="7315200" cy="6858000"/>
+          </a:xfrm>
+        </p:spPr>
+        <p:txBody>
+          <a:bodyPr anchor="ctr">
+            <a:noAutofit/>
+          </a:bodyPr>
+          <a:lstStyle/>
+          <a:p>
+            <a:r>
+              <a:rPr lang="en-US" sz="9600" dirty="0" smtClean="0"/>
+              <a:t>Slang</a:t>
+            </a:r>
+            <a:br>
+              <a:rPr lang="en-US" sz="9600" dirty="0" smtClean="0"/>
+            </a:br>
+            <a:r>
+              <a:rPr lang="en-US" sz="9600" dirty="0" smtClean="0"/>
+              <a:t>in English and</a:t>
+            </a:r>
+            <a:br>
+              <a:rPr lang="en-US" sz="9600" dirty="0" smtClean="0"/>
+            </a:br>
+            <a:r>
+              <a:rPr lang="en-US" sz="9600" dirty="0" smtClean="0"/>
+              <a:t>in Russian</a:t>
+            </a:r>
+            <a:endParaRPr lang="ru-RU" sz="9600" dirty="0"/>
+          </a:p>
+        </p:txBody>
+      </p:sp>
+      <p:sp>
+        <p:nvSpPr>
+          <p:cNvPr id="4" name="TextBox 3"/>
+          <p:cNvSpPr txBox="1"/>
+          <p:nvPr/>
+        </p:nvSpPr>
+        <p:spPr>
+          <a:xfrm>
+            <a:off x="6792709" y="5934045"/>
+            <a:ext cx="2339752" cy="923330"/>
+          </a:xfrm>
+          <a:prstGeom prst="rect">
+            <a:avLst/>
+          </a:prstGeom>
+        </p:spPr>
+        <p:style>
+          <a:lnRef idx="1">
+            <a:schemeClr val="accent2"/>
+          </a:lnRef>
+          <a:fillRef idx="3">
+            <a:schemeClr val="accent2"/>
+          </a:fillRef>
+          <a:effectRef idx="2">
+            <a:schemeClr val="accent2"/>
+          </a:effectRef>
+          <a:fontRef idx="minor">
+            <a:schemeClr val="lt1"/>
+          </a:fontRef>
+        </p:style>
+        <p:txBody>
+          <a:bodyPr wrap="square" rtlCol="0" anchor="ctr">
+            <a:spAutoFit/>
+          </a:bodyPr>
+          <a:lstStyle/>
+          <a:p>
+            <a:r>
+              <a:rPr lang="en-US" dirty="0" smtClean="0">
+                <a:latin typeface="+mj-lt"/>
+                <a:ea typeface="Verdana" pitchFamily="34" charset="0"/>
+                <a:cs typeface="Vani" pitchFamily="34" charset="0"/>
+              </a:rPr>
+              <a:t>Prepared by :</a:t>
+            </a:r>
+          </a:p>
+          <a:p>
+            <a:r>
+              <a:rPr lang="en-US" dirty="0" smtClean="0">
+                <a:latin typeface="+mj-lt"/>
+                <a:ea typeface="Verdana" pitchFamily="34" charset="0"/>
+                <a:cs typeface="Vani" pitchFamily="34" charset="0"/>
+              </a:rPr>
+              <a:t>Cadet </a:t>
+            </a:r>
+            <a:r>
+              <a:rPr lang="en-US" dirty="0" err="1" smtClean="0">
+                <a:latin typeface="+mj-lt"/>
+                <a:ea typeface="Verdana" pitchFamily="34" charset="0"/>
+                <a:cs typeface="Vani" pitchFamily="34" charset="0"/>
+              </a:rPr>
+              <a:t>Eltsov</a:t>
+            </a:r>
+            <a:r>
+              <a:rPr lang="en-US" dirty="0" smtClean="0">
+                <a:latin typeface="+mj-lt"/>
+                <a:ea typeface="Verdana" pitchFamily="34" charset="0"/>
+                <a:cs typeface="Vani" pitchFamily="34" charset="0"/>
+              </a:rPr>
+              <a:t> M.S.</a:t>
+            </a:r>
+          </a:p>
+          <a:p>
+            <a:r>
+              <a:rPr lang="en-US" dirty="0" smtClean="0">
+                <a:latin typeface="+mj-lt"/>
+                <a:ea typeface="Verdana" pitchFamily="34" charset="0"/>
+                <a:cs typeface="Vani" pitchFamily="34" charset="0"/>
+              </a:rPr>
+              <a:t>Cadet </a:t>
+            </a:r>
+            <a:r>
+              <a:rPr lang="en-US" dirty="0" err="1" smtClean="0">
+                <a:latin typeface="+mj-lt"/>
+                <a:ea typeface="Verdana" pitchFamily="34" charset="0"/>
+                <a:cs typeface="Vani" pitchFamily="34" charset="0"/>
+              </a:rPr>
+              <a:t>Rezanov</a:t>
+            </a:r>
+            <a:r>
+              <a:rPr lang="en-US" dirty="0" smtClean="0">
+                <a:latin typeface="+mj-lt"/>
+                <a:ea typeface="Verdana" pitchFamily="34" charset="0"/>
+                <a:cs typeface="Vani" pitchFamily="34" charset="0"/>
+              </a:rPr>
+              <a:t> N.D.</a:t>
+            </a:r>
+            <a:endParaRPr lang="ru-RU" dirty="0">
+              <a:latin typeface="+mj-lt"/>
+              <a:ea typeface="Verdana" pitchFamily="34" charset="0"/>
+              <a:cs typeface="Vani" pitchFamily="34" charset="0"/>
+            </a:endParaRPr>
+          </a:p>
+        </p:txBody>
+      </p:sp>
+    </p:spTree>
+    <p:extLst>
+      <p:ext uri="{BB962C8B-B14F-4D97-AF65-F5344CB8AC3E}">
+        <p14:creationId xmlns:p14="http://schemas.microsoft.com/office/powerpoint/2010/main" val="486780576"/>
+      </p:ext>
+    </p:extLst>
+  </p:cSld>
+  <p:clrMapOvr>
+    <a:masterClrMapping/>
+  </p:clrMapOvr>
+  <p:timing>
+    <p:tnLst>
+      <p:par>
+        <p:cTn id="1" dur="indefinite" restart="never" nodeType="tmRoot"/>
+      </p:par>
+    </p:tnLst>
+  </p:timing>
+</p:sld>
+</file>
+
+<file path=ppt/slides/slide2.xml><?xml version="1.0" encoding="utf-8"?>
+<p:sld xmlns:a="http://schemas.openxmlformats.org/drawingml/2006/main" xmlns:r="http://schemas.openxmlformats.org/officeDocument/2006/relationships" xmlns:p="http://schemas.openxmlformats.org/presentationml/2006/main">
+  <p:cSld>
+    <p:spTree>
+      <p:nvGrpSpPr>
+        <p:cNvPr id="1" name=""/>
+        <p:cNvGrpSpPr/>
+        <p:nvPr/>
+      </p:nvGrpSpPr>
+      <p:grpSpPr>
+        <a:xfrm>
+          <a:off x="0" y="0"/>
+          <a:ext cx="0" cy="0"/>
+          <a:chOff x="0" y="0"/>
+          <a:chExt cx="0" cy="0"/>
+        </a:xfrm>
+      </p:grpSpPr>
+      <p:sp>
+        <p:nvSpPr>
+          <p:cNvPr id="2" name="Заголовок 1"/>
+          <p:cNvSpPr>
+            <a:spLocks noGrp="1"/>
+          </p:cNvSpPr>
+          <p:nvPr>
+            <p:ph type="title"/>
+          </p:nvPr>
+        </p:nvSpPr>
+        <p:spPr/>
+        <p:txBody>
+          <a:bodyPr/>
+          <a:lstStyle/>
+          <a:p>
+            <a:endParaRPr lang="ru-RU"/>
+          </a:p>
+        </p:txBody>
+      </p:sp>
+      <p:sp>
+        <p:nvSpPr>
+          <p:cNvPr id="3" name="Объект 2"/>
+          <p:cNvSpPr>
+            <a:spLocks noGrp="1"/>
+          </p:cNvSpPr>
+          <p:nvPr>
+            <p:ph idx="1"/>
+          </p:nvPr>
+        </p:nvSpPr>
+        <p:spPr/>
+        <p:txBody>
+          <a:bodyPr/>
+          <a:lstStyle/>
+          <a:p>
+            <a:endParaRPr lang="ru-RU"/>
+          </a:p>
+        </p:txBody>
+      </p:sp>
+      <p:pic>
+        <p:nvPicPr>
+          <p:cNvPr id="1026" name="Picture 2" descr="D:\Users\rhfvas_3\Desktop\211ИНЯЗРЕ\Материалы для презентации\slang-wordle.jpg"/>
+          <p:cNvPicPr>
+            <a:picLocks noChangeAspect="1" noChangeArrowheads="1"/>
+          </p:cNvPicPr>
+          <p:nvPr/>
+        </p:nvPicPr>
+        <p:blipFill>
+          <a:blip r:embed="rId2">
+            <a:extLst>
+              <a:ext uri="{28A0092B-C50C-407E-A947-70E740481C1C}">
+                <a14:useLocalDpi xmlns:a14="http://schemas.microsoft.com/office/drawing/2010/main" val="0"/>
+              </a:ext>
+            </a:extLst>
+          </a:blip>
+          <a:srcRect/>
+          <a:stretch>
+            <a:fillRect/>
+          </a:stretch>
+        </p:blipFill>
+        <p:spPr bwMode="auto">
+          <a:xfrm>
+            <a:off x="899592" y="2708920"/>
+            <a:ext cx="7419975" cy="3771900"/>
+          </a:xfrm>
+          <a:prstGeom prst="rect">
+            <a:avLst/>
+          </a:prstGeom>
+          <a:noFill/>
+          <a:extLst>
+            <a:ext uri="{909E8E84-426E-40DD-AFC4-6F175D3DCCD1}">
+              <a14:hiddenFill xmlns:a14="http://schemas.microsoft.com/office/drawing/2010/main">
+                <a:solidFill>
+                  <a:srgbClr val="FFFFFF"/>
+                </a:solidFill>
+              </a14:hiddenFill>
+            </a:ext>
+          </a:extLst>
+        </p:spPr>
+      </p:pic>
+    </p:spTree>
+    <p:extLst>
+      <p:ext uri="{BB962C8B-B14F-4D97-AF65-F5344CB8AC3E}">
+        <p14:creationId xmlns:p14="http://schemas.microsoft.com/office/powerpoint/2010/main" val="1034657350"/>
+      </p:ext>
+    </p:extLst>
+  </p:cSld>
+  <p:clrMapOvr>
+    <a:masterClrMapping/>
+  </p:clrMapOvr>
+  <p:timing>
+    <p:tnLst>
+      <p:par>
+        <p:cTn id="1" dur="indefinite" restart="never" nodeType="tmRoot"/>
+      </p:par>
+    </p:tnLst>
+  </p:timing>
+</p:sld>
+</file>
+
 <file path=ppt/theme/theme1.xml><?xml version="1.0" encoding="utf-8"?>
-<a:theme xmlns:a="http://schemas.openxmlformats.org/drawingml/2006/main" name="Тема Office">
+<a:theme xmlns:a="http://schemas.openxmlformats.org/drawingml/2006/main" name="Перспектива">
   <a:themeElements>
-    <a:clrScheme name="Стандартная">
+    <a:clrScheme name="Перспектива">
       <a:dk1>
         <a:sysClr val="windowText" lastClr="000000"/>
       </a:dk1>
@@ -3026,79 +3437,45 @@
         <a:sysClr val="window" lastClr="FFFFFF"/>
       </a:lt1>
       <a:dk2>
-        <a:srgbClr val="1F497D"/>
+        <a:srgbClr val="283138"/>
       </a:dk2>
       <a:lt2>
-        <a:srgbClr val="EEECE1"/>
+        <a:srgbClr val="FF8600"/>
       </a:lt2>
       <a:accent1>
-        <a:srgbClr val="4F81BD"/>
+        <a:srgbClr val="838D9B"/>
       </a:accent1>
       <a:accent2>
-        <a:srgbClr val="C0504D"/>
+        <a:srgbClr val="D2610C"/>
       </a:accent2>
       <a:accent3>
-        <a:srgbClr val="9BBB59"/>
+        <a:srgbClr val="80716A"/>
       </a:accent3>
       <a:accent4>
-        <a:srgbClr val="8064A2"/>
+        <a:srgbClr val="94147C"/>
       </a:accent4>
       <a:accent5>
-        <a:srgbClr val="4BACC6"/>
+        <a:srgbClr val="5D5AD2"/>
       </a:accent5>
       <a:accent6>
-        <a:srgbClr val="F79646"/>
+        <a:srgbClr val="6F6C7D"/>
       </a:accent6>
       <a:hlink>
-        <a:srgbClr val="0000FF"/>
+        <a:srgbClr val="6187E3"/>
       </a:hlink>
       <a:folHlink>
-        <a:srgbClr val="800080"/>
+        <a:srgbClr val="7B8EB8"/>
       </a:folHlink>
     </a:clrScheme>
-    <a:fontScheme name="Стандартная">
+    <a:fontScheme name="Классическая 2">
       <a:majorFont>
-        <a:latin typeface="Calibri"/>
+        <a:latin typeface="Arial"/>
         <a:ea typeface=""/>
         <a:cs typeface=""/>
         <a:font script="Jpan" typeface="ＭＳ Ｐゴシック"/>
-        <a:font script="Hang" typeface="맑은 고딕"/>
-        <a:font script="Hans" typeface="宋体"/>
-        <a:font script="Hant" typeface="新細明體"/>
-        <a:font script="Arab" typeface="Times New Roman"/>
-        <a:font script="Hebr" typeface="Times New Roman"/>
-        <a:font script="Thai" typeface="Angsana New"/>
-        <a:font script="Ethi" typeface="Nyala"/>
-        <a:font script="Beng" typeface="Vrinda"/>
-        <a:font script="Gujr" typeface="Shruti"/>
-        <a:font script="Khmr" typeface="MoolBoran"/>
-        <a:font script="Knda" typeface="Tunga"/>
-        <a:font script="Guru" typeface="Raavi"/>
-        <a:font script="Cans" typeface="Euphemia"/>
-        <a:font script="Cher" typeface="Plantagenet Cherokee"/>
-        <a:font script="Yiii" typeface="Microsoft Yi Baiti"/>
-        <a:font script="Tibt" typeface="Microsoft Himalaya"/>
-        <a:font script="Thaa" typeface="MV Boli"/>
-        <a:font script="Deva" typeface="Mangal"/>
-        <a:font script="Telu" typeface="Gautami"/>
-        <a:font script="Taml" typeface="Latha"/>
-        <a:font script="Syrc" typeface="Estrangelo Edessa"/>
-        <a:font script="Orya" typeface="Kalinga"/>
-        <a:font script="Mlym" typeface="Kartika"/>
-        <a:font script="Laoo" typeface="DokChampa"/>
-        <a:font script="Sinh" typeface="Iskoola Pota"/>
-        <a:font script="Mong" typeface="Mongolian Baiti"/>
-        <a:font script="Viet" typeface="Times New Roman"/>
-        <a:font script="Uigh" typeface="Microsoft Uighur"/>
-      </a:majorFont>
-      <a:minorFont>
-        <a:latin typeface="Calibri"/>
-        <a:ea typeface=""/>
-        <a:cs typeface=""/>
-        <a:font script="Jpan" typeface="ＭＳ Ｐゴシック"/>
-        <a:font script="Hang" typeface="맑은 고딕"/>
-        <a:font script="Hans" typeface="宋体"/>
-        <a:font script="Hant" typeface="新細明體"/>
+        <a:font script="Hang" typeface="돋움"/>
+        <a:font script="Hans" typeface="方正舒体"/>
+        <a:font script="Hant" typeface="微軟正黑體"/>
         <a:font script="Arab" typeface="Arial"/>
         <a:font script="Hebr" typeface="Arial"/>
         <a:font script="Thai" typeface="Cordia New"/>
@@ -3124,9 +3501,45 @@
         <a:font script="Mong" typeface="Mongolian Baiti"/>
         <a:font script="Viet" typeface="Arial"/>
         <a:font script="Uigh" typeface="Microsoft Uighur"/>
+        <a:font script="Geor" typeface="Sylfaen"/>
+      </a:majorFont>
+      <a:minorFont>
+        <a:latin typeface="Arial"/>
+        <a:ea typeface=""/>
+        <a:cs typeface=""/>
+        <a:font script="Jpan" typeface="ＭＳ Ｐゴシック"/>
+        <a:font script="Hang" typeface="돋움"/>
+        <a:font script="Hans" typeface="方正舒体"/>
+        <a:font script="Hant" typeface="微軟正黑體"/>
+        <a:font script="Arab" typeface="Arial"/>
+        <a:font script="Hebr" typeface="Arial"/>
+        <a:font script="Thai" typeface="Cordia New"/>
+        <a:font script="Ethi" typeface="Nyala"/>
+        <a:font script="Beng" typeface="Vrinda"/>
+        <a:font script="Gujr" typeface="Shruti"/>
+        <a:font script="Khmr" typeface="DaunPenh"/>
+        <a:font script="Knda" typeface="Tunga"/>
+        <a:font script="Guru" typeface="Raavi"/>
+        <a:font script="Cans" typeface="Euphemia"/>
+        <a:font script="Cher" typeface="Plantagenet Cherokee"/>
+        <a:font script="Yiii" typeface="Microsoft Yi Baiti"/>
+        <a:font script="Tibt" typeface="Microsoft Himalaya"/>
+        <a:font script="Thaa" typeface="MV Boli"/>
+        <a:font script="Deva" typeface="Mangal"/>
+        <a:font script="Telu" typeface="Gautami"/>
+        <a:font script="Taml" typeface="Latha"/>
+        <a:font script="Syrc" typeface="Estrangelo Edessa"/>
+        <a:font script="Orya" typeface="Kalinga"/>
+        <a:font script="Mlym" typeface="Kartika"/>
+        <a:font script="Laoo" typeface="DokChampa"/>
+        <a:font script="Sinh" typeface="Iskoola Pota"/>
+        <a:font script="Mong" typeface="Mongolian Baiti"/>
+        <a:font script="Viet" typeface="Arial"/>
+        <a:font script="Uigh" typeface="Microsoft Uighur"/>
+        <a:font script="Geor" typeface="Sylfaen"/>
       </a:minorFont>
     </a:fontScheme>
-    <a:fmtScheme name="Стандартная">
+    <a:fmtScheme name="Перспектива">
       <a:fillStyleLst>
         <a:solidFill>
           <a:schemeClr val="phClr"/>
@@ -3136,65 +3549,65 @@
             <a:gs pos="0">
               <a:schemeClr val="phClr">
                 <a:tint val="50000"/>
-                <a:satMod val="300000"/>
+                <a:alpha val="100000"/>
+                <a:satMod val="160000"/>
+                <a:lumMod val="105000"/>
               </a:schemeClr>
             </a:gs>
-            <a:gs pos="35000">
+            <a:gs pos="41000">
               <a:schemeClr val="phClr">
-                <a:tint val="37000"/>
-                <a:satMod val="300000"/>
+                <a:tint val="57000"/>
+                <a:satMod val="180000"/>
+                <a:lumMod val="99000"/>
               </a:schemeClr>
             </a:gs>
             <a:gs pos="100000">
               <a:schemeClr val="phClr">
-                <a:tint val="15000"/>
-                <a:satMod val="350000"/>
+                <a:tint val="80000"/>
+                <a:satMod val="200000"/>
+                <a:lumMod val="104000"/>
               </a:schemeClr>
             </a:gs>
           </a:gsLst>
-          <a:lin ang="16200000" scaled="1"/>
+          <a:lin ang="5400000" scaled="1"/>
         </a:gradFill>
         <a:gradFill rotWithShape="1">
           <a:gsLst>
             <a:gs pos="0">
               <a:schemeClr val="phClr">
-                <a:shade val="51000"/>
+                <a:tint val="96000"/>
                 <a:satMod val="130000"/>
+                <a:lumMod val="114000"/>
               </a:schemeClr>
             </a:gs>
-            <a:gs pos="80000">
+            <a:gs pos="60000">
               <a:schemeClr val="phClr">
-                <a:shade val="93000"/>
-                <a:satMod val="130000"/>
+                <a:tint val="100000"/>
+                <a:satMod val="106000"/>
+                <a:lumMod val="110000"/>
               </a:schemeClr>
             </a:gs>
             <a:gs pos="100000">
-              <a:schemeClr val="phClr">
-                <a:shade val="94000"/>
-                <a:satMod val="135000"/>
-              </a:schemeClr>
+              <a:schemeClr val="phClr"/>
             </a:gs>
           </a:gsLst>
-          <a:lin ang="16200000" scaled="0"/>
+          <a:lin ang="5400000" scaled="0"/>
         </a:gradFill>
       </a:fillStyleLst>
       <a:lnStyleLst>
-        <a:ln w="9525" cap="flat" cmpd="sng" algn="ctr">
-          <a:solidFill>
-            <a:schemeClr val="phClr">
-              <a:shade val="95000"/>
-              <a:satMod val="105000"/>
-            </a:schemeClr>
-          </a:solidFill>
-          <a:prstDash val="solid"/>
-        </a:ln>
-        <a:ln w="25400" cap="flat" cmpd="sng" algn="ctr">
+        <a:ln w="12700" cap="flat" cmpd="sng" algn="ctr">
           <a:solidFill>
             <a:schemeClr val="phClr"/>
           </a:solidFill>
           <a:prstDash val="solid"/>
         </a:ln>
-        <a:ln w="38100" cap="flat" cmpd="sng" algn="ctr">
+        <a:ln w="19050" cap="flat" cmpd="sng" algn="ctr">
+          <a:solidFill>
+            <a:schemeClr val="phClr"/>
+          </a:solidFill>
+          <a:prstDash val="solid"/>
+        </a:ln>
+        <a:ln w="28575" cap="flat" cmpd="sng" algn="ctr">
           <a:solidFill>
             <a:schemeClr val="phClr"/>
           </a:solidFill>
@@ -3204,27 +3617,18 @@
       <a:effectStyleLst>
         <a:effectStyle>
           <a:effectLst>
-            <a:outerShdw blurRad="40000" dist="20000" dir="5400000" rotWithShape="0">
+            <a:outerShdw blurRad="50800" dist="38100" dir="5400000" rotWithShape="0">
               <a:srgbClr val="000000">
-                <a:alpha val="38000"/>
+                <a:alpha val="28000"/>
               </a:srgbClr>
             </a:outerShdw>
           </a:effectLst>
         </a:effectStyle>
         <a:effectStyle>
           <a:effectLst>
-            <a:outerShdw blurRad="40000" dist="23000" dir="5400000" rotWithShape="0">
+            <a:outerShdw blurRad="47625" dist="38100" dir="5400000" sy="98000" rotWithShape="0">
               <a:srgbClr val="000000">
-                <a:alpha val="35000"/>
-              </a:srgbClr>
-            </a:outerShdw>
-          </a:effectLst>
-        </a:effectStyle>
-        <a:effectStyle>
-          <a:effectLst>
-            <a:outerShdw blurRad="40000" dist="23000" dir="5400000" rotWithShape="0">
-              <a:srgbClr val="000000">
-                <a:alpha val="35000"/>
+                <a:alpha val="48000"/>
               </a:srgbClr>
             </a:outerShdw>
           </a:effectLst>
@@ -3232,12 +3636,28 @@
             <a:camera prst="orthographicFront">
               <a:rot lat="0" lon="0" rev="0"/>
             </a:camera>
+            <a:lightRig rig="twoPt" dir="br">
+              <a:rot lat="0" lon="0" rev="8700000"/>
+            </a:lightRig>
+          </a:scene3d>
+          <a:sp3d prstMaterial="matte">
+            <a:bevelT w="25400" h="53975"/>
+          </a:sp3d>
+        </a:effectStyle>
+        <a:effectStyle>
+          <a:effectLst>
+            <a:reflection blurRad="12700" stA="24000" endPos="28000" dist="50800" dir="5400000" sy="-100000" rotWithShape="0"/>
+          </a:effectLst>
+          <a:scene3d>
+            <a:camera prst="orthographicFront">
+              <a:rot lat="0" lon="0" rev="0"/>
+            </a:camera>
             <a:lightRig rig="threePt" dir="t">
-              <a:rot lat="0" lon="0" rev="1200000"/>
+              <a:rot lat="0" lon="0" rev="4800000"/>
             </a:lightRig>
           </a:scene3d>
           <a:sp3d>
-            <a:bevelT w="63500" h="25400"/>
+            <a:bevelT w="69850" h="31750"/>
           </a:sp3d>
         </a:effectStyle>
       </a:effectStyleLst>
@@ -3249,47 +3669,45 @@
           <a:gsLst>
             <a:gs pos="0">
               <a:schemeClr val="phClr">
-                <a:tint val="40000"/>
-                <a:satMod val="350000"/>
+                <a:tint val="100000"/>
+                <a:shade val="80000"/>
+                <a:satMod val="100000"/>
+                <a:lumMod val="100000"/>
               </a:schemeClr>
             </a:gs>
-            <a:gs pos="40000">
+            <a:gs pos="65000">
               <a:schemeClr val="phClr">
-                <a:tint val="45000"/>
-                <a:shade val="99000"/>
-                <a:satMod val="350000"/>
+                <a:tint val="100000"/>
+                <a:shade val="95000"/>
+                <a:satMod val="100000"/>
+                <a:lumMod val="100000"/>
               </a:schemeClr>
             </a:gs>
             <a:gs pos="100000">
               <a:schemeClr val="phClr">
-                <a:shade val="20000"/>
-                <a:satMod val="255000"/>
+                <a:tint val="88000"/>
+                <a:shade val="100000"/>
+                <a:satMod val="400000"/>
+                <a:lumMod val="100000"/>
               </a:schemeClr>
             </a:gs>
           </a:gsLst>
-          <a:path path="circle">
-            <a:fillToRect l="50000" t="-80000" r="50000" b="180000"/>
-          </a:path>
+          <a:lin ang="5400000" scaled="0"/>
         </a:gradFill>
-        <a:gradFill rotWithShape="1">
-          <a:gsLst>
-            <a:gs pos="0">
+        <a:blipFill rotWithShape="1">
+          <a:blip xmlns:r="http://schemas.openxmlformats.org/officeDocument/2006/relationships" r:embed="rId1">
+            <a:duotone>
               <a:schemeClr val="phClr">
-                <a:tint val="80000"/>
-                <a:satMod val="300000"/>
+                <a:tint val="95000"/>
+                <a:satMod val="90000"/>
               </a:schemeClr>
-            </a:gs>
-            <a:gs pos="100000">
               <a:schemeClr val="phClr">
-                <a:shade val="30000"/>
-                <a:satMod val="200000"/>
+                <a:shade val="92000"/>
               </a:schemeClr>
-            </a:gs>
-          </a:gsLst>
-          <a:path path="circle">
-            <a:fillToRect l="50000" t="50000" r="50000" b="50000"/>
-          </a:path>
-        </a:gradFill>
+            </a:duotone>
+          </a:blip>
+          <a:tile tx="0" ty="0" sx="100000" sy="100000" flip="none" algn="tl"/>
+        </a:blipFill>
       </a:bgFillStyleLst>
     </a:fmtScheme>
   </a:themeElements>
